--- a/기획/기획서-ppt.pptx
+++ b/기획/기획서-ppt.pptx
@@ -5,8 +5,12 @@
     <p:sldMasterId id="2147483660" r:id="rId1"/>
   </p:sldMasterIdLst>
   <p:sldIdLst>
-    <p:sldId id="256" r:id="rId2"/>
-    <p:sldId id="257" r:id="rId3"/>
+    <p:sldId id="259" r:id="rId2"/>
+    <p:sldId id="258" r:id="rId3"/>
+    <p:sldId id="256" r:id="rId4"/>
+    <p:sldId id="260" r:id="rId5"/>
+    <p:sldId id="257" r:id="rId6"/>
+    <p:sldId id="261" r:id="rId7"/>
   </p:sldIdLst>
   <p:sldSz cx="10655300" cy="5184775"/>
   <p:notesSz cx="6858000" cy="9144000"/>
@@ -105,6 +109,11 @@
       </a:defRPr>
     </a:lvl9pPr>
   </p:defaultTextStyle>
+  <p:extLst>
+    <p:ext uri="{EFAFB233-063F-42B5-8137-9DF3F51BA10A}">
+      <p15:sldGuideLst xmlns:p15="http://schemas.microsoft.com/office/powerpoint/2012/main"/>
+    </p:ext>
+  </p:extLst>
 </p:presentation>
 </file>
 
@@ -239,7 +248,7 @@
           <a:p>
             <a:fld id="{C854CD84-E8DF-4042-A60F-5942BC017A83}" type="datetimeFigureOut">
               <a:rPr lang="ko-KR" altLang="en-US" smtClean="0"/>
-              <a:t>2022-05-13</a:t>
+              <a:t>2022-05-14</a:t>
             </a:fld>
             <a:endParaRPr lang="ko-KR" altLang="en-US"/>
           </a:p>
@@ -409,7 +418,7 @@
           <a:p>
             <a:fld id="{C854CD84-E8DF-4042-A60F-5942BC017A83}" type="datetimeFigureOut">
               <a:rPr lang="ko-KR" altLang="en-US" smtClean="0"/>
-              <a:t>2022-05-13</a:t>
+              <a:t>2022-05-14</a:t>
             </a:fld>
             <a:endParaRPr lang="ko-KR" altLang="en-US"/>
           </a:p>
@@ -589,7 +598,7 @@
           <a:p>
             <a:fld id="{C854CD84-E8DF-4042-A60F-5942BC017A83}" type="datetimeFigureOut">
               <a:rPr lang="ko-KR" altLang="en-US" smtClean="0"/>
-              <a:t>2022-05-13</a:t>
+              <a:t>2022-05-14</a:t>
             </a:fld>
             <a:endParaRPr lang="ko-KR" altLang="en-US"/>
           </a:p>
@@ -759,7 +768,7 @@
           <a:p>
             <a:fld id="{C854CD84-E8DF-4042-A60F-5942BC017A83}" type="datetimeFigureOut">
               <a:rPr lang="ko-KR" altLang="en-US" smtClean="0"/>
-              <a:t>2022-05-13</a:t>
+              <a:t>2022-05-14</a:t>
             </a:fld>
             <a:endParaRPr lang="ko-KR" altLang="en-US"/>
           </a:p>
@@ -1005,7 +1014,7 @@
           <a:p>
             <a:fld id="{C854CD84-E8DF-4042-A60F-5942BC017A83}" type="datetimeFigureOut">
               <a:rPr lang="ko-KR" altLang="en-US" smtClean="0"/>
-              <a:t>2022-05-13</a:t>
+              <a:t>2022-05-14</a:t>
             </a:fld>
             <a:endParaRPr lang="ko-KR" altLang="en-US"/>
           </a:p>
@@ -1237,7 +1246,7 @@
           <a:p>
             <a:fld id="{C854CD84-E8DF-4042-A60F-5942BC017A83}" type="datetimeFigureOut">
               <a:rPr lang="ko-KR" altLang="en-US" smtClean="0"/>
-              <a:t>2022-05-13</a:t>
+              <a:t>2022-05-14</a:t>
             </a:fld>
             <a:endParaRPr lang="ko-KR" altLang="en-US"/>
           </a:p>
@@ -1604,7 +1613,7 @@
           <a:p>
             <a:fld id="{C854CD84-E8DF-4042-A60F-5942BC017A83}" type="datetimeFigureOut">
               <a:rPr lang="ko-KR" altLang="en-US" smtClean="0"/>
-              <a:t>2022-05-13</a:t>
+              <a:t>2022-05-14</a:t>
             </a:fld>
             <a:endParaRPr lang="ko-KR" altLang="en-US"/>
           </a:p>
@@ -1722,7 +1731,7 @@
           <a:p>
             <a:fld id="{C854CD84-E8DF-4042-A60F-5942BC017A83}" type="datetimeFigureOut">
               <a:rPr lang="ko-KR" altLang="en-US" smtClean="0"/>
-              <a:t>2022-05-13</a:t>
+              <a:t>2022-05-14</a:t>
             </a:fld>
             <a:endParaRPr lang="ko-KR" altLang="en-US"/>
           </a:p>
@@ -1817,7 +1826,7 @@
           <a:p>
             <a:fld id="{C854CD84-E8DF-4042-A60F-5942BC017A83}" type="datetimeFigureOut">
               <a:rPr lang="ko-KR" altLang="en-US" smtClean="0"/>
-              <a:t>2022-05-13</a:t>
+              <a:t>2022-05-14</a:t>
             </a:fld>
             <a:endParaRPr lang="ko-KR" altLang="en-US"/>
           </a:p>
@@ -2094,7 +2103,7 @@
           <a:p>
             <a:fld id="{C854CD84-E8DF-4042-A60F-5942BC017A83}" type="datetimeFigureOut">
               <a:rPr lang="ko-KR" altLang="en-US" smtClean="0"/>
-              <a:t>2022-05-13</a:t>
+              <a:t>2022-05-14</a:t>
             </a:fld>
             <a:endParaRPr lang="ko-KR" altLang="en-US"/>
           </a:p>
@@ -2351,7 +2360,7 @@
           <a:p>
             <a:fld id="{C854CD84-E8DF-4042-A60F-5942BC017A83}" type="datetimeFigureOut">
               <a:rPr lang="ko-KR" altLang="en-US" smtClean="0"/>
-              <a:t>2022-05-13</a:t>
+              <a:t>2022-05-14</a:t>
             </a:fld>
             <a:endParaRPr lang="ko-KR" altLang="en-US"/>
           </a:p>
@@ -2564,7 +2573,7 @@
           <a:p>
             <a:fld id="{C854CD84-E8DF-4042-A60F-5942BC017A83}" type="datetimeFigureOut">
               <a:rPr lang="ko-KR" altLang="en-US" smtClean="0"/>
-              <a:t>2022-05-13</a:t>
+              <a:t>2022-05-14</a:t>
             </a:fld>
             <a:endParaRPr lang="ko-KR" altLang="en-US"/>
           </a:p>
@@ -2953,6 +2962,515 @@
 </file>
 
 <file path=ppt/slides/slide1.xml><?xml version="1.0" encoding="utf-8"?>
+<p:sld xmlns:a="http://schemas.openxmlformats.org/drawingml/2006/main" xmlns:r="http://schemas.openxmlformats.org/officeDocument/2006/relationships" xmlns:p="http://schemas.openxmlformats.org/presentationml/2006/main">
+  <p:cSld>
+    <p:spTree>
+      <p:nvGrpSpPr>
+        <p:cNvPr id="1" name=""/>
+        <p:cNvGrpSpPr/>
+        <p:nvPr/>
+      </p:nvGrpSpPr>
+      <p:grpSpPr>
+        <a:xfrm>
+          <a:off x="0" y="0"/>
+          <a:ext cx="0" cy="0"/>
+          <a:chOff x="0" y="0"/>
+          <a:chExt cx="0" cy="0"/>
+        </a:xfrm>
+      </p:grpSpPr>
+      <p:pic>
+        <p:nvPicPr>
+          <p:cNvPr id="47" name="그림 46"/>
+          <p:cNvPicPr>
+            <a:picLocks noChangeAspect="1"/>
+          </p:cNvPicPr>
+          <p:nvPr/>
+        </p:nvPicPr>
+        <p:blipFill>
+          <a:blip r:embed="rId2" cstate="print">
+            <a:extLst>
+              <a:ext uri="{28A0092B-C50C-407E-A947-70E740481C1C}">
+                <a14:useLocalDpi xmlns:a14="http://schemas.microsoft.com/office/drawing/2010/main" val="0"/>
+              </a:ext>
+            </a:extLst>
+          </a:blip>
+          <a:stretch>
+            <a:fillRect/>
+          </a:stretch>
+        </p:blipFill>
+        <p:spPr>
+          <a:xfrm>
+            <a:off x="9602103" y="269557"/>
+            <a:ext cx="629898" cy="629898"/>
+          </a:xfrm>
+          <a:prstGeom prst="rect">
+            <a:avLst/>
+          </a:prstGeom>
+        </p:spPr>
+      </p:pic>
+      <p:sp>
+        <p:nvSpPr>
+          <p:cNvPr id="74" name="TextBox 73"/>
+          <p:cNvSpPr txBox="1"/>
+          <p:nvPr/>
+        </p:nvSpPr>
+        <p:spPr>
+          <a:xfrm>
+            <a:off x="206256" y="171880"/>
+            <a:ext cx="1182532" cy="322717"/>
+          </a:xfrm>
+          <a:prstGeom prst="rect">
+            <a:avLst/>
+          </a:prstGeom>
+          <a:noFill/>
+        </p:spPr>
+        <p:txBody>
+          <a:bodyPr wrap="square" rtlCol="0">
+            <a:spAutoFit/>
+          </a:bodyPr>
+          <a:lstStyle/>
+          <a:p>
+            <a:r>
+              <a:rPr lang="ko-KR" altLang="en-US" dirty="0" smtClean="0"/>
+              <a:t>시작 화면</a:t>
+            </a:r>
+            <a:endParaRPr lang="ko-KR" altLang="en-US" dirty="0"/>
+          </a:p>
+        </p:txBody>
+      </p:sp>
+    </p:spTree>
+    <p:extLst>
+      <p:ext uri="{BB962C8B-B14F-4D97-AF65-F5344CB8AC3E}">
+        <p14:creationId xmlns:p14="http://schemas.microsoft.com/office/powerpoint/2010/main" val="2916903803"/>
+      </p:ext>
+    </p:extLst>
+  </p:cSld>
+  <p:clrMapOvr>
+    <a:masterClrMapping/>
+  </p:clrMapOvr>
+  <p:timing>
+    <p:tnLst>
+      <p:par>
+        <p:cTn id="1" dur="indefinite" restart="never" nodeType="tmRoot"/>
+      </p:par>
+    </p:tnLst>
+  </p:timing>
+</p:sld>
+</file>
+
+<file path=ppt/slides/slide2.xml><?xml version="1.0" encoding="utf-8"?>
+<p:sld xmlns:a="http://schemas.openxmlformats.org/drawingml/2006/main" xmlns:r="http://schemas.openxmlformats.org/officeDocument/2006/relationships" xmlns:p="http://schemas.openxmlformats.org/presentationml/2006/main">
+  <p:cSld>
+    <p:spTree>
+      <p:nvGrpSpPr>
+        <p:cNvPr id="1" name=""/>
+        <p:cNvGrpSpPr/>
+        <p:nvPr/>
+      </p:nvGrpSpPr>
+      <p:grpSpPr>
+        <a:xfrm>
+          <a:off x="0" y="0"/>
+          <a:ext cx="0" cy="0"/>
+          <a:chOff x="0" y="0"/>
+          <a:chExt cx="0" cy="0"/>
+        </a:xfrm>
+      </p:grpSpPr>
+      <p:pic>
+        <p:nvPicPr>
+          <p:cNvPr id="2" name="그림 1"/>
+          <p:cNvPicPr>
+            <a:picLocks noChangeAspect="1"/>
+          </p:cNvPicPr>
+          <p:nvPr/>
+        </p:nvPicPr>
+        <p:blipFill>
+          <a:blip r:embed="rId2" cstate="print">
+            <a:extLst>
+              <a:ext uri="{28A0092B-C50C-407E-A947-70E740481C1C}">
+                <a14:useLocalDpi xmlns:a14="http://schemas.microsoft.com/office/drawing/2010/main" val="0"/>
+              </a:ext>
+            </a:extLst>
+          </a:blip>
+          <a:stretch>
+            <a:fillRect/>
+          </a:stretch>
+        </p:blipFill>
+        <p:spPr>
+          <a:xfrm>
+            <a:off x="9602103" y="269557"/>
+            <a:ext cx="629898" cy="629898"/>
+          </a:xfrm>
+          <a:prstGeom prst="rect">
+            <a:avLst/>
+          </a:prstGeom>
+        </p:spPr>
+      </p:pic>
+      <p:sp>
+        <p:nvSpPr>
+          <p:cNvPr id="4" name="TextBox 3"/>
+          <p:cNvSpPr txBox="1"/>
+          <p:nvPr/>
+        </p:nvSpPr>
+        <p:spPr>
+          <a:xfrm>
+            <a:off x="206256" y="171880"/>
+            <a:ext cx="1450664" cy="322717"/>
+          </a:xfrm>
+          <a:prstGeom prst="rect">
+            <a:avLst/>
+          </a:prstGeom>
+          <a:noFill/>
+        </p:spPr>
+        <p:txBody>
+          <a:bodyPr wrap="square" rtlCol="0">
+            <a:spAutoFit/>
+          </a:bodyPr>
+          <a:lstStyle/>
+          <a:p>
+            <a:r>
+              <a:rPr lang="ko-KR" altLang="en-US" dirty="0" smtClean="0"/>
+              <a:t>메인 화면</a:t>
+            </a:r>
+            <a:endParaRPr lang="ko-KR" altLang="en-US" dirty="0"/>
+          </a:p>
+        </p:txBody>
+      </p:sp>
+      <p:sp>
+        <p:nvSpPr>
+          <p:cNvPr id="6" name="직사각형 5"/>
+          <p:cNvSpPr/>
+          <p:nvPr/>
+        </p:nvSpPr>
+        <p:spPr>
+          <a:xfrm>
+            <a:off x="6189958" y="1230658"/>
+            <a:ext cx="2547016" cy="3731386"/>
+          </a:xfrm>
+          <a:prstGeom prst="rect">
+            <a:avLst/>
+          </a:prstGeom>
+          <a:noFill/>
+          <a:ln w="57150">
+            <a:solidFill>
+              <a:schemeClr val="tx1"/>
+            </a:solidFill>
+          </a:ln>
+        </p:spPr>
+        <p:style>
+          <a:lnRef idx="2">
+            <a:schemeClr val="accent1">
+              <a:shade val="50000"/>
+            </a:schemeClr>
+          </a:lnRef>
+          <a:fillRef idx="1">
+            <a:schemeClr val="accent1"/>
+          </a:fillRef>
+          <a:effectRef idx="0">
+            <a:schemeClr val="accent1"/>
+          </a:effectRef>
+          <a:fontRef idx="minor">
+            <a:schemeClr val="lt1"/>
+          </a:fontRef>
+        </p:style>
+        <p:txBody>
+          <a:bodyPr rtlCol="0" anchor="ctr"/>
+          <a:lstStyle/>
+          <a:p>
+            <a:pPr algn="ctr"/>
+            <a:r>
+              <a:rPr lang="ko-KR" altLang="en-US" sz="3600" dirty="0">
+                <a:solidFill>
+                  <a:sysClr val="windowText" lastClr="000000"/>
+                </a:solidFill>
+              </a:rPr>
+              <a:t>모험가</a:t>
+            </a:r>
+            <a:endParaRPr lang="en-US" altLang="ko-KR" sz="3600" dirty="0">
+              <a:solidFill>
+                <a:sysClr val="windowText" lastClr="000000"/>
+              </a:solidFill>
+            </a:endParaRPr>
+          </a:p>
+          <a:p>
+            <a:pPr algn="ctr"/>
+            <a:r>
+              <a:rPr lang="ko-KR" altLang="en-US" sz="3600" dirty="0" smtClean="0">
+                <a:solidFill>
+                  <a:sysClr val="windowText" lastClr="000000"/>
+                </a:solidFill>
+              </a:rPr>
+              <a:t>파티</a:t>
+            </a:r>
+            <a:endParaRPr lang="ko-KR" altLang="en-US" sz="3600" dirty="0">
+              <a:solidFill>
+                <a:sysClr val="windowText" lastClr="000000"/>
+              </a:solidFill>
+            </a:endParaRPr>
+          </a:p>
+        </p:txBody>
+      </p:sp>
+      <p:sp>
+        <p:nvSpPr>
+          <p:cNvPr id="10" name="직사각형 9"/>
+          <p:cNvSpPr/>
+          <p:nvPr/>
+        </p:nvSpPr>
+        <p:spPr>
+          <a:xfrm>
+            <a:off x="9154308" y="1230658"/>
+            <a:ext cx="1179099" cy="3731386"/>
+          </a:xfrm>
+          <a:prstGeom prst="rect">
+            <a:avLst/>
+          </a:prstGeom>
+          <a:noFill/>
+          <a:ln w="57150">
+            <a:solidFill>
+              <a:schemeClr val="tx1"/>
+            </a:solidFill>
+          </a:ln>
+        </p:spPr>
+        <p:style>
+          <a:lnRef idx="2">
+            <a:schemeClr val="accent1">
+              <a:shade val="50000"/>
+            </a:schemeClr>
+          </a:lnRef>
+          <a:fillRef idx="1">
+            <a:schemeClr val="accent1"/>
+          </a:fillRef>
+          <a:effectRef idx="0">
+            <a:schemeClr val="accent1"/>
+          </a:effectRef>
+          <a:fontRef idx="minor">
+            <a:schemeClr val="lt1"/>
+          </a:fontRef>
+        </p:style>
+        <p:txBody>
+          <a:bodyPr rtlCol="0" anchor="ctr"/>
+          <a:lstStyle/>
+          <a:p>
+            <a:pPr algn="ctr"/>
+            <a:r>
+              <a:rPr lang="ko-KR" altLang="en-US" sz="3600" smtClean="0">
+                <a:solidFill>
+                  <a:sysClr val="windowText" lastClr="000000"/>
+                </a:solidFill>
+              </a:rPr>
+              <a:t>튜토리얼</a:t>
+            </a:r>
+            <a:endParaRPr lang="ko-KR" altLang="en-US" sz="3600" dirty="0">
+              <a:solidFill>
+                <a:sysClr val="windowText" lastClr="000000"/>
+              </a:solidFill>
+            </a:endParaRPr>
+          </a:p>
+        </p:txBody>
+      </p:sp>
+      <p:sp>
+        <p:nvSpPr>
+          <p:cNvPr id="11" name="직사각형 10"/>
+          <p:cNvSpPr/>
+          <p:nvPr/>
+        </p:nvSpPr>
+        <p:spPr>
+          <a:xfrm>
+            <a:off x="261256" y="494597"/>
+            <a:ext cx="8893052" cy="598558"/>
+          </a:xfrm>
+          <a:prstGeom prst="rect">
+            <a:avLst/>
+          </a:prstGeom>
+          <a:noFill/>
+          <a:ln w="38100">
+            <a:solidFill>
+              <a:schemeClr val="tx1"/>
+            </a:solidFill>
+          </a:ln>
+        </p:spPr>
+        <p:style>
+          <a:lnRef idx="2">
+            <a:schemeClr val="accent1">
+              <a:shade val="50000"/>
+            </a:schemeClr>
+          </a:lnRef>
+          <a:fillRef idx="1">
+            <a:schemeClr val="accent1"/>
+          </a:fillRef>
+          <a:effectRef idx="0">
+            <a:schemeClr val="accent1"/>
+          </a:effectRef>
+          <a:fontRef idx="minor">
+            <a:schemeClr val="lt1"/>
+          </a:fontRef>
+        </p:style>
+        <p:txBody>
+          <a:bodyPr rtlCol="0" anchor="ctr"/>
+          <a:lstStyle/>
+          <a:p>
+            <a:pPr algn="ctr"/>
+            <a:r>
+              <a:rPr lang="ko-KR" altLang="en-US" sz="2000" dirty="0" smtClean="0">
+                <a:solidFill>
+                  <a:sysClr val="windowText" lastClr="000000"/>
+                </a:solidFill>
+              </a:rPr>
+              <a:t>게임 팁</a:t>
+            </a:r>
+            <a:endParaRPr lang="ko-KR" altLang="en-US" sz="2000" dirty="0">
+              <a:solidFill>
+                <a:sysClr val="windowText" lastClr="000000"/>
+              </a:solidFill>
+            </a:endParaRPr>
+          </a:p>
+        </p:txBody>
+      </p:sp>
+      <p:sp>
+        <p:nvSpPr>
+          <p:cNvPr id="12" name="직사각형 11"/>
+          <p:cNvSpPr/>
+          <p:nvPr/>
+        </p:nvSpPr>
+        <p:spPr>
+          <a:xfrm>
+            <a:off x="261257" y="1230657"/>
+            <a:ext cx="2547016" cy="3731386"/>
+          </a:xfrm>
+          <a:prstGeom prst="rect">
+            <a:avLst/>
+          </a:prstGeom>
+          <a:noFill/>
+          <a:ln w="57150">
+            <a:solidFill>
+              <a:schemeClr val="tx1"/>
+            </a:solidFill>
+          </a:ln>
+        </p:spPr>
+        <p:style>
+          <a:lnRef idx="2">
+            <a:schemeClr val="accent1">
+              <a:shade val="50000"/>
+            </a:schemeClr>
+          </a:lnRef>
+          <a:fillRef idx="1">
+            <a:schemeClr val="accent1"/>
+          </a:fillRef>
+          <a:effectRef idx="0">
+            <a:schemeClr val="accent1"/>
+          </a:effectRef>
+          <a:fontRef idx="minor">
+            <a:schemeClr val="lt1"/>
+          </a:fontRef>
+        </p:style>
+        <p:txBody>
+          <a:bodyPr rtlCol="0" anchor="ctr"/>
+          <a:lstStyle/>
+          <a:p>
+            <a:pPr algn="ctr"/>
+            <a:r>
+              <a:rPr lang="ko-KR" altLang="en-US" sz="3600" dirty="0" smtClean="0">
+                <a:solidFill>
+                  <a:sysClr val="windowText" lastClr="000000"/>
+                </a:solidFill>
+              </a:rPr>
+              <a:t>던전</a:t>
+            </a:r>
+            <a:endParaRPr lang="ko-KR" altLang="en-US" sz="3600" dirty="0">
+              <a:solidFill>
+                <a:sysClr val="windowText" lastClr="000000"/>
+              </a:solidFill>
+            </a:endParaRPr>
+          </a:p>
+        </p:txBody>
+      </p:sp>
+      <p:sp>
+        <p:nvSpPr>
+          <p:cNvPr id="13" name="직사각형 12"/>
+          <p:cNvSpPr/>
+          <p:nvPr/>
+        </p:nvSpPr>
+        <p:spPr>
+          <a:xfrm>
+            <a:off x="3225608" y="1230658"/>
+            <a:ext cx="2547016" cy="3731386"/>
+          </a:xfrm>
+          <a:prstGeom prst="rect">
+            <a:avLst/>
+          </a:prstGeom>
+          <a:noFill/>
+          <a:ln w="57150">
+            <a:solidFill>
+              <a:schemeClr val="tx1"/>
+            </a:solidFill>
+          </a:ln>
+        </p:spPr>
+        <p:style>
+          <a:lnRef idx="2">
+            <a:schemeClr val="accent1">
+              <a:shade val="50000"/>
+            </a:schemeClr>
+          </a:lnRef>
+          <a:fillRef idx="1">
+            <a:schemeClr val="accent1"/>
+          </a:fillRef>
+          <a:effectRef idx="0">
+            <a:schemeClr val="accent1"/>
+          </a:effectRef>
+          <a:fontRef idx="minor">
+            <a:schemeClr val="lt1"/>
+          </a:fontRef>
+        </p:style>
+        <p:txBody>
+          <a:bodyPr rtlCol="0" anchor="ctr"/>
+          <a:lstStyle/>
+          <a:p>
+            <a:pPr algn="ctr"/>
+            <a:r>
+              <a:rPr lang="ko-KR" altLang="en-US" sz="3600" dirty="0" smtClean="0">
+                <a:solidFill>
+                  <a:sysClr val="windowText" lastClr="000000"/>
+                </a:solidFill>
+              </a:rPr>
+              <a:t>모험가</a:t>
+            </a:r>
+            <a:endParaRPr lang="en-US" altLang="ko-KR" sz="3600" dirty="0" smtClean="0">
+              <a:solidFill>
+                <a:sysClr val="windowText" lastClr="000000"/>
+              </a:solidFill>
+            </a:endParaRPr>
+          </a:p>
+          <a:p>
+            <a:pPr algn="ctr"/>
+            <a:r>
+              <a:rPr lang="ko-KR" altLang="en-US" sz="3600" dirty="0" smtClean="0">
+                <a:solidFill>
+                  <a:sysClr val="windowText" lastClr="000000"/>
+                </a:solidFill>
+              </a:rPr>
+              <a:t>길드</a:t>
+            </a:r>
+            <a:endParaRPr lang="ko-KR" altLang="en-US" sz="3600" dirty="0">
+              <a:solidFill>
+                <a:sysClr val="windowText" lastClr="000000"/>
+              </a:solidFill>
+            </a:endParaRPr>
+          </a:p>
+        </p:txBody>
+      </p:sp>
+    </p:spTree>
+    <p:extLst>
+      <p:ext uri="{BB962C8B-B14F-4D97-AF65-F5344CB8AC3E}">
+        <p14:creationId xmlns:p14="http://schemas.microsoft.com/office/powerpoint/2010/main" val="2243548706"/>
+      </p:ext>
+    </p:extLst>
+  </p:cSld>
+  <p:clrMapOvr>
+    <a:masterClrMapping/>
+  </p:clrMapOvr>
+</p:sld>
+</file>
+
+<file path=ppt/slides/slide3.xml><?xml version="1.0" encoding="utf-8"?>
 <p:sld xmlns:a="http://schemas.openxmlformats.org/drawingml/2006/main" xmlns:r="http://schemas.openxmlformats.org/officeDocument/2006/relationships" xmlns:p="http://schemas.openxmlformats.org/presentationml/2006/main">
   <p:cSld>
     <p:spTree>
@@ -4245,7 +4763,7 @@
         <p:spPr>
           <a:xfrm>
             <a:off x="206256" y="171880"/>
-            <a:ext cx="1024403" cy="322717"/>
+            <a:ext cx="1024403" cy="553100"/>
           </a:xfrm>
           <a:prstGeom prst="rect">
             <a:avLst/>
@@ -4260,7 +4778,7 @@
           <a:p>
             <a:r>
               <a:rPr lang="ko-KR" altLang="en-US" dirty="0" smtClean="0"/>
-              <a:t>던전 내부</a:t>
+              <a:t>마을 및 던전 내부</a:t>
             </a:r>
             <a:endParaRPr lang="ko-KR" altLang="en-US" dirty="0"/>
           </a:p>
@@ -4286,7 +4804,84 @@
 </p:sld>
 </file>
 
-<file path=ppt/slides/slide2.xml><?xml version="1.0" encoding="utf-8"?>
+<file path=ppt/slides/slide4.xml><?xml version="1.0" encoding="utf-8"?>
+<p:sld xmlns:a="http://schemas.openxmlformats.org/drawingml/2006/main" xmlns:r="http://schemas.openxmlformats.org/officeDocument/2006/relationships" xmlns:p="http://schemas.openxmlformats.org/presentationml/2006/main">
+  <p:cSld>
+    <p:spTree>
+      <p:nvGrpSpPr>
+        <p:cNvPr id="1" name=""/>
+        <p:cNvGrpSpPr/>
+        <p:nvPr/>
+      </p:nvGrpSpPr>
+      <p:grpSpPr>
+        <a:xfrm>
+          <a:off x="0" y="0"/>
+          <a:ext cx="0" cy="0"/>
+          <a:chOff x="0" y="0"/>
+          <a:chExt cx="0" cy="0"/>
+        </a:xfrm>
+      </p:grpSpPr>
+      <p:sp>
+        <p:nvSpPr>
+          <p:cNvPr id="74" name="TextBox 73"/>
+          <p:cNvSpPr txBox="1"/>
+          <p:nvPr/>
+        </p:nvSpPr>
+        <p:spPr>
+          <a:xfrm>
+            <a:off x="206256" y="171880"/>
+            <a:ext cx="1024403" cy="553100"/>
+          </a:xfrm>
+          <a:prstGeom prst="rect">
+            <a:avLst/>
+          </a:prstGeom>
+          <a:noFill/>
+        </p:spPr>
+        <p:txBody>
+          <a:bodyPr wrap="square" rtlCol="0">
+            <a:spAutoFit/>
+          </a:bodyPr>
+          <a:lstStyle/>
+          <a:p>
+            <a:r>
+              <a:rPr lang="ko-KR" altLang="en-US" dirty="0" smtClean="0"/>
+              <a:t>예시 </a:t>
+            </a:r>
+            <a:r>
+              <a:rPr lang="en-US" altLang="ko-KR" dirty="0" smtClean="0"/>
+              <a:t>1)</a:t>
+            </a:r>
+          </a:p>
+          <a:p>
+            <a:r>
+              <a:rPr lang="ko-KR" altLang="en-US" dirty="0" smtClean="0"/>
+              <a:t>던전 내부</a:t>
+            </a:r>
+            <a:endParaRPr lang="ko-KR" altLang="en-US" dirty="0"/>
+          </a:p>
+        </p:txBody>
+      </p:sp>
+    </p:spTree>
+    <p:extLst>
+      <p:ext uri="{BB962C8B-B14F-4D97-AF65-F5344CB8AC3E}">
+        <p14:creationId xmlns:p14="http://schemas.microsoft.com/office/powerpoint/2010/main" val="4066857167"/>
+      </p:ext>
+    </p:extLst>
+  </p:cSld>
+  <p:clrMapOvr>
+    <a:masterClrMapping/>
+  </p:clrMapOvr>
+  <p:timing>
+    <p:tnLst>
+      <p:par>
+        <p:cTn id="1" dur="indefinite" restart="never" nodeType="tmRoot"/>
+      </p:par>
+    </p:tnLst>
+  </p:timing>
+</p:sld>
+</file>
+
+<file path=ppt/slides/slide5.xml><?xml version="1.0" encoding="utf-8"?>
 <p:sld xmlns:a="http://schemas.openxmlformats.org/drawingml/2006/main" xmlns:r="http://schemas.openxmlformats.org/officeDocument/2006/relationships" xmlns:p="http://schemas.openxmlformats.org/presentationml/2006/main">
   <p:cSld>
     <p:spTree>
@@ -4451,12 +5046,8 @@
           <a:p>
             <a:pPr algn="ctr"/>
             <a:r>
-              <a:rPr lang="ko-KR" altLang="en-US" sz="1050" dirty="0" smtClean="0"/>
-              <a:t>모험가 </a:t>
-            </a:r>
-            <a:r>
               <a:rPr lang="en-US" altLang="ko-KR" sz="1050" dirty="0" smtClean="0"/>
-              <a:t>2</a:t>
+              <a:t>NPC</a:t>
             </a:r>
             <a:endParaRPr lang="ko-KR" altLang="en-US" sz="1050" dirty="0"/>
           </a:p>
@@ -4510,10 +5101,2142 @@
           </a:p>
         </p:txBody>
       </p:sp>
+      <p:sp>
+        <p:nvSpPr>
+          <p:cNvPr id="2" name="직사각형 1"/>
+          <p:cNvSpPr/>
+          <p:nvPr/>
+        </p:nvSpPr>
+        <p:spPr>
+          <a:xfrm>
+            <a:off x="419386" y="899455"/>
+            <a:ext cx="2200061" cy="3452539"/>
+          </a:xfrm>
+          <a:prstGeom prst="rect">
+            <a:avLst/>
+          </a:prstGeom>
+        </p:spPr>
+        <p:style>
+          <a:lnRef idx="2">
+            <a:schemeClr val="accent1">
+              <a:shade val="50000"/>
+            </a:schemeClr>
+          </a:lnRef>
+          <a:fillRef idx="1">
+            <a:schemeClr val="accent1"/>
+          </a:fillRef>
+          <a:effectRef idx="0">
+            <a:schemeClr val="accent1"/>
+          </a:effectRef>
+          <a:fontRef idx="minor">
+            <a:schemeClr val="lt1"/>
+          </a:fontRef>
+        </p:style>
+        <p:txBody>
+          <a:bodyPr rtlCol="0" anchor="ctr"/>
+          <a:lstStyle/>
+          <a:p>
+            <a:pPr algn="ctr"/>
+            <a:r>
+              <a:rPr lang="ko-KR" altLang="en-US" sz="3200" dirty="0" smtClean="0"/>
+              <a:t>벽</a:t>
+            </a:r>
+            <a:endParaRPr lang="ko-KR" altLang="en-US" sz="3200" dirty="0"/>
+          </a:p>
+        </p:txBody>
+      </p:sp>
+      <p:sp>
+        <p:nvSpPr>
+          <p:cNvPr id="4" name="세로로 말린 두루마리 모양 3"/>
+          <p:cNvSpPr/>
+          <p:nvPr/>
+        </p:nvSpPr>
+        <p:spPr>
+          <a:xfrm>
+            <a:off x="1801300" y="2017523"/>
+            <a:ext cx="721895" cy="1065654"/>
+          </a:xfrm>
+          <a:prstGeom prst="verticalScroll">
+            <a:avLst/>
+          </a:prstGeom>
+          <a:solidFill>
+            <a:schemeClr val="accent2">
+              <a:lumMod val="20000"/>
+              <a:lumOff val="80000"/>
+            </a:schemeClr>
+          </a:solidFill>
+          <a:ln>
+            <a:solidFill>
+              <a:schemeClr val="tx1"/>
+            </a:solidFill>
+          </a:ln>
+        </p:spPr>
+        <p:style>
+          <a:lnRef idx="2">
+            <a:schemeClr val="accent1">
+              <a:shade val="50000"/>
+            </a:schemeClr>
+          </a:lnRef>
+          <a:fillRef idx="1">
+            <a:schemeClr val="accent1"/>
+          </a:fillRef>
+          <a:effectRef idx="0">
+            <a:schemeClr val="accent1"/>
+          </a:effectRef>
+          <a:fontRef idx="minor">
+            <a:schemeClr val="lt1"/>
+          </a:fontRef>
+        </p:style>
+        <p:txBody>
+          <a:bodyPr rtlCol="0" anchor="ctr"/>
+          <a:lstStyle/>
+          <a:p>
+            <a:pPr algn="ctr"/>
+            <a:r>
+              <a:rPr lang="ko-KR" altLang="en-US" sz="1200" dirty="0" smtClean="0">
+                <a:solidFill>
+                  <a:schemeClr val="tx1"/>
+                </a:solidFill>
+              </a:rPr>
+              <a:t>던전 지도</a:t>
+            </a:r>
+            <a:endParaRPr lang="ko-KR" altLang="en-US" sz="1200" dirty="0">
+              <a:solidFill>
+                <a:schemeClr val="tx1"/>
+              </a:solidFill>
+            </a:endParaRPr>
+          </a:p>
+        </p:txBody>
+      </p:sp>
+      <p:sp>
+        <p:nvSpPr>
+          <p:cNvPr id="6" name="모서리가 둥근 사각형 설명선 5"/>
+          <p:cNvSpPr/>
+          <p:nvPr/>
+        </p:nvSpPr>
+        <p:spPr>
+          <a:xfrm>
+            <a:off x="5924078" y="2145059"/>
+            <a:ext cx="1368162" cy="646267"/>
+          </a:xfrm>
+          <a:prstGeom prst="wedgeRoundRectCallout">
+            <a:avLst>
+              <a:gd name="adj1" fmla="val 41479"/>
+              <a:gd name="adj2" fmla="val 63085"/>
+              <a:gd name="adj3" fmla="val 16667"/>
+            </a:avLst>
+          </a:prstGeom>
+          <a:solidFill>
+            <a:schemeClr val="bg2"/>
+          </a:solidFill>
+          <a:ln>
+            <a:solidFill>
+              <a:schemeClr val="tx1"/>
+            </a:solidFill>
+          </a:ln>
+        </p:spPr>
+        <p:style>
+          <a:lnRef idx="2">
+            <a:schemeClr val="accent1">
+              <a:shade val="50000"/>
+            </a:schemeClr>
+          </a:lnRef>
+          <a:fillRef idx="1">
+            <a:schemeClr val="accent1"/>
+          </a:fillRef>
+          <a:effectRef idx="0">
+            <a:schemeClr val="accent1"/>
+          </a:effectRef>
+          <a:fontRef idx="minor">
+            <a:schemeClr val="lt1"/>
+          </a:fontRef>
+        </p:style>
+        <p:txBody>
+          <a:bodyPr rtlCol="0" anchor="ctr"/>
+          <a:lstStyle/>
+          <a:p>
+            <a:pPr algn="ctr"/>
+            <a:r>
+              <a:rPr lang="ko-KR" altLang="en-US" sz="1200" dirty="0" smtClean="0">
+                <a:solidFill>
+                  <a:sysClr val="windowText" lastClr="000000"/>
+                </a:solidFill>
+              </a:rPr>
+              <a:t>모험가 </a:t>
+            </a:r>
+            <a:endParaRPr lang="en-US" altLang="ko-KR" sz="1200" dirty="0" smtClean="0">
+              <a:solidFill>
+                <a:sysClr val="windowText" lastClr="000000"/>
+              </a:solidFill>
+            </a:endParaRPr>
+          </a:p>
+          <a:p>
+            <a:pPr algn="ctr"/>
+            <a:r>
+              <a:rPr lang="en-US" altLang="ko-KR" sz="1200" dirty="0" smtClean="0">
+                <a:solidFill>
+                  <a:sysClr val="windowText" lastClr="000000"/>
+                </a:solidFill>
+              </a:rPr>
+              <a:t>A</a:t>
+            </a:r>
+            <a:r>
+              <a:rPr lang="ko-KR" altLang="en-US" sz="1200" dirty="0" err="1" smtClean="0">
+                <a:solidFill>
+                  <a:sysClr val="windowText" lastClr="000000"/>
+                </a:solidFill>
+              </a:rPr>
+              <a:t>등급이에요</a:t>
+            </a:r>
+            <a:r>
+              <a:rPr lang="en-US" altLang="ko-KR" sz="1200" dirty="0" smtClean="0">
+                <a:solidFill>
+                  <a:sysClr val="windowText" lastClr="000000"/>
+                </a:solidFill>
+              </a:rPr>
+              <a:t>.</a:t>
+            </a:r>
+            <a:endParaRPr lang="ko-KR" altLang="en-US" sz="1200" dirty="0">
+              <a:solidFill>
+                <a:sysClr val="windowText" lastClr="000000"/>
+              </a:solidFill>
+            </a:endParaRPr>
+          </a:p>
+        </p:txBody>
+      </p:sp>
+      <p:sp>
+        <p:nvSpPr>
+          <p:cNvPr id="12" name="모서리가 둥근 사각형 설명선 11"/>
+          <p:cNvSpPr/>
+          <p:nvPr/>
+        </p:nvSpPr>
+        <p:spPr>
+          <a:xfrm>
+            <a:off x="3751904" y="2312927"/>
+            <a:ext cx="1368162" cy="956797"/>
+          </a:xfrm>
+          <a:prstGeom prst="wedgeRoundRectCallout">
+            <a:avLst>
+              <a:gd name="adj1" fmla="val -37918"/>
+              <a:gd name="adj2" fmla="val 58055"/>
+              <a:gd name="adj3" fmla="val 16667"/>
+            </a:avLst>
+          </a:prstGeom>
+          <a:solidFill>
+            <a:schemeClr val="bg2"/>
+          </a:solidFill>
+          <a:ln>
+            <a:solidFill>
+              <a:schemeClr val="tx1"/>
+            </a:solidFill>
+          </a:ln>
+        </p:spPr>
+        <p:style>
+          <a:lnRef idx="2">
+            <a:schemeClr val="accent1">
+              <a:shade val="50000"/>
+            </a:schemeClr>
+          </a:lnRef>
+          <a:fillRef idx="1">
+            <a:schemeClr val="accent1"/>
+          </a:fillRef>
+          <a:effectRef idx="0">
+            <a:schemeClr val="accent1"/>
+          </a:effectRef>
+          <a:fontRef idx="minor">
+            <a:schemeClr val="lt1"/>
+          </a:fontRef>
+        </p:style>
+        <p:txBody>
+          <a:bodyPr rtlCol="0" anchor="ctr"/>
+          <a:lstStyle/>
+          <a:p>
+            <a:pPr algn="ctr"/>
+            <a:r>
+              <a:rPr lang="ko-KR" altLang="en-US" sz="1200" dirty="0" smtClean="0">
+                <a:solidFill>
+                  <a:sysClr val="windowText" lastClr="000000"/>
+                </a:solidFill>
+              </a:rPr>
+              <a:t>아직 아무도 </a:t>
+            </a:r>
+            <a:endParaRPr lang="en-US" altLang="ko-KR" sz="1200" dirty="0" smtClean="0">
+              <a:solidFill>
+                <a:sysClr val="windowText" lastClr="000000"/>
+              </a:solidFill>
+            </a:endParaRPr>
+          </a:p>
+          <a:p>
+            <a:pPr algn="ctr"/>
+            <a:r>
+              <a:rPr lang="ko-KR" altLang="en-US" sz="1200" dirty="0" smtClean="0">
+                <a:solidFill>
+                  <a:sysClr val="windowText" lastClr="000000"/>
+                </a:solidFill>
+              </a:rPr>
+              <a:t>못 찾은 던전 </a:t>
+            </a:r>
+            <a:endParaRPr lang="en-US" altLang="ko-KR" sz="1200" dirty="0" smtClean="0">
+              <a:solidFill>
+                <a:sysClr val="windowText" lastClr="000000"/>
+              </a:solidFill>
+            </a:endParaRPr>
+          </a:p>
+          <a:p>
+            <a:pPr algn="ctr"/>
+            <a:r>
+              <a:rPr lang="ko-KR" altLang="en-US" sz="1200" dirty="0" smtClean="0">
+                <a:solidFill>
+                  <a:sysClr val="windowText" lastClr="000000"/>
+                </a:solidFill>
+              </a:rPr>
+              <a:t>지도를 보물과 바꾸시죠</a:t>
+            </a:r>
+            <a:r>
+              <a:rPr lang="en-US" altLang="ko-KR" sz="1200" dirty="0">
+                <a:solidFill>
+                  <a:sysClr val="windowText" lastClr="000000"/>
+                </a:solidFill>
+              </a:rPr>
+              <a:t>.</a:t>
+            </a:r>
+            <a:endParaRPr lang="ko-KR" altLang="en-US" sz="1200" dirty="0">
+              <a:solidFill>
+                <a:sysClr val="windowText" lastClr="000000"/>
+              </a:solidFill>
+            </a:endParaRPr>
+          </a:p>
+        </p:txBody>
+      </p:sp>
     </p:spTree>
     <p:extLst>
       <p:ext uri="{BB962C8B-B14F-4D97-AF65-F5344CB8AC3E}">
         <p14:creationId xmlns:p14="http://schemas.microsoft.com/office/powerpoint/2010/main" val="2169522293"/>
+      </p:ext>
+    </p:extLst>
+  </p:cSld>
+  <p:clrMapOvr>
+    <a:masterClrMapping/>
+  </p:clrMapOvr>
+  <p:timing>
+    <p:tnLst>
+      <p:par>
+        <p:cTn id="1" dur="indefinite" restart="never" nodeType="tmRoot"/>
+      </p:par>
+    </p:tnLst>
+  </p:timing>
+</p:sld>
+</file>
+
+<file path=ppt/slides/slide6.xml><?xml version="1.0" encoding="utf-8"?>
+<p:sld xmlns:a="http://schemas.openxmlformats.org/drawingml/2006/main" xmlns:r="http://schemas.openxmlformats.org/officeDocument/2006/relationships" xmlns:p="http://schemas.openxmlformats.org/presentationml/2006/main">
+  <p:cSld>
+    <p:spTree>
+      <p:nvGrpSpPr>
+        <p:cNvPr id="1" name=""/>
+        <p:cNvGrpSpPr/>
+        <p:nvPr/>
+      </p:nvGrpSpPr>
+      <p:grpSpPr>
+        <a:xfrm>
+          <a:off x="0" y="0"/>
+          <a:ext cx="0" cy="0"/>
+          <a:chOff x="0" y="0"/>
+          <a:chExt cx="0" cy="0"/>
+        </a:xfrm>
+      </p:grpSpPr>
+      <p:pic>
+        <p:nvPicPr>
+          <p:cNvPr id="47" name="그림 46"/>
+          <p:cNvPicPr>
+            <a:picLocks noChangeAspect="1"/>
+          </p:cNvPicPr>
+          <p:nvPr/>
+        </p:nvPicPr>
+        <p:blipFill>
+          <a:blip r:embed="rId2" cstate="print">
+            <a:extLst>
+              <a:ext uri="{28A0092B-C50C-407E-A947-70E740481C1C}">
+                <a14:useLocalDpi xmlns:a14="http://schemas.microsoft.com/office/drawing/2010/main" val="0"/>
+              </a:ext>
+            </a:extLst>
+          </a:blip>
+          <a:stretch>
+            <a:fillRect/>
+          </a:stretch>
+        </p:blipFill>
+        <p:spPr>
+          <a:xfrm>
+            <a:off x="9602103" y="269557"/>
+            <a:ext cx="629898" cy="629898"/>
+          </a:xfrm>
+          <a:prstGeom prst="rect">
+            <a:avLst/>
+          </a:prstGeom>
+        </p:spPr>
+      </p:pic>
+      <p:sp>
+        <p:nvSpPr>
+          <p:cNvPr id="74" name="TextBox 73"/>
+          <p:cNvSpPr txBox="1"/>
+          <p:nvPr/>
+        </p:nvSpPr>
+        <p:spPr>
+          <a:xfrm>
+            <a:off x="206256" y="171880"/>
+            <a:ext cx="1182532" cy="322717"/>
+          </a:xfrm>
+          <a:prstGeom prst="rect">
+            <a:avLst/>
+          </a:prstGeom>
+          <a:noFill/>
+        </p:spPr>
+        <p:txBody>
+          <a:bodyPr wrap="square" rtlCol="0">
+            <a:spAutoFit/>
+          </a:bodyPr>
+          <a:lstStyle/>
+          <a:p>
+            <a:r>
+              <a:rPr lang="ko-KR" altLang="en-US" dirty="0" smtClean="0"/>
+              <a:t>모험가 </a:t>
+            </a:r>
+            <a:r>
+              <a:rPr lang="ko-KR" altLang="en-US" dirty="0" smtClean="0"/>
+              <a:t>파티</a:t>
+            </a:r>
+            <a:endParaRPr lang="ko-KR" altLang="en-US" dirty="0"/>
+          </a:p>
+        </p:txBody>
+      </p:sp>
+      <p:grpSp>
+        <p:nvGrpSpPr>
+          <p:cNvPr id="14" name="그룹 13"/>
+          <p:cNvGrpSpPr/>
+          <p:nvPr/>
+        </p:nvGrpSpPr>
+        <p:grpSpPr>
+          <a:xfrm>
+            <a:off x="1318375" y="1052848"/>
+            <a:ext cx="1669099" cy="2826339"/>
+            <a:chOff x="6454140" y="3512584"/>
+            <a:chExt cx="908686" cy="1538707"/>
+          </a:xfrm>
+        </p:grpSpPr>
+        <p:grpSp>
+          <p:nvGrpSpPr>
+            <p:cNvPr id="15" name="그룹 14"/>
+            <p:cNvGrpSpPr/>
+            <p:nvPr/>
+          </p:nvGrpSpPr>
+          <p:grpSpPr>
+            <a:xfrm>
+              <a:off x="6454140" y="3512584"/>
+              <a:ext cx="908686" cy="1270514"/>
+              <a:chOff x="6242646" y="3333750"/>
+              <a:chExt cx="1120180" cy="1566223"/>
+            </a:xfrm>
+          </p:grpSpPr>
+          <p:sp>
+            <p:nvSpPr>
+              <p:cNvPr id="17" name="직사각형 16"/>
+              <p:cNvSpPr/>
+              <p:nvPr/>
+            </p:nvSpPr>
+            <p:spPr>
+              <a:xfrm>
+                <a:off x="6242646" y="4566598"/>
+                <a:ext cx="1120180" cy="327973"/>
+              </a:xfrm>
+              <a:prstGeom prst="rect">
+                <a:avLst/>
+              </a:prstGeom>
+              <a:solidFill>
+                <a:srgbClr val="FF0000"/>
+              </a:solidFill>
+            </p:spPr>
+            <p:style>
+              <a:lnRef idx="2">
+                <a:schemeClr val="accent6">
+                  <a:shade val="50000"/>
+                </a:schemeClr>
+              </a:lnRef>
+              <a:fillRef idx="1">
+                <a:schemeClr val="accent6"/>
+              </a:fillRef>
+              <a:effectRef idx="0">
+                <a:schemeClr val="accent6"/>
+              </a:effectRef>
+              <a:fontRef idx="minor">
+                <a:schemeClr val="lt1"/>
+              </a:fontRef>
+            </p:style>
+            <p:txBody>
+              <a:bodyPr rtlCol="0" anchor="ctr"/>
+              <a:lstStyle/>
+              <a:p>
+                <a:pPr algn="ctr"/>
+                <a:endParaRPr lang="ko-KR" altLang="en-US"/>
+              </a:p>
+            </p:txBody>
+          </p:sp>
+          <p:sp>
+            <p:nvSpPr>
+              <p:cNvPr id="18" name="직사각형 17"/>
+              <p:cNvSpPr/>
+              <p:nvPr/>
+            </p:nvSpPr>
+            <p:spPr>
+              <a:xfrm>
+                <a:off x="6242646" y="3333750"/>
+                <a:ext cx="1120180" cy="1566223"/>
+              </a:xfrm>
+              <a:prstGeom prst="rect">
+                <a:avLst/>
+              </a:prstGeom>
+              <a:noFill/>
+              <a:ln w="57150">
+                <a:solidFill>
+                  <a:schemeClr val="tx1"/>
+                </a:solidFill>
+              </a:ln>
+            </p:spPr>
+            <p:style>
+              <a:lnRef idx="2">
+                <a:schemeClr val="accent1">
+                  <a:shade val="50000"/>
+                </a:schemeClr>
+              </a:lnRef>
+              <a:fillRef idx="1">
+                <a:schemeClr val="accent1"/>
+              </a:fillRef>
+              <a:effectRef idx="0">
+                <a:schemeClr val="accent1"/>
+              </a:effectRef>
+              <a:fontRef idx="minor">
+                <a:schemeClr val="lt1"/>
+              </a:fontRef>
+            </p:style>
+            <p:txBody>
+              <a:bodyPr rot="0" spcFirstLastPara="0" vertOverflow="overflow" horzOverflow="overflow" vert="horz" wrap="square" lIns="69130" tIns="34565" rIns="69130" bIns="34565" numCol="1" spcCol="0" rtlCol="0" fromWordArt="0" anchor="ctr" anchorCtr="0" forceAA="0" compatLnSpc="1">
+                <a:prstTxWarp prst="textNoShape">
+                  <a:avLst/>
+                </a:prstTxWarp>
+                <a:noAutofit/>
+              </a:bodyPr>
+              <a:lstStyle/>
+              <a:p>
+                <a:pPr algn="ctr"/>
+                <a:endParaRPr lang="ko-KR" altLang="en-US"/>
+              </a:p>
+            </p:txBody>
+          </p:sp>
+          <p:sp>
+            <p:nvSpPr>
+              <p:cNvPr id="19" name="직사각형 18"/>
+              <p:cNvSpPr/>
+              <p:nvPr/>
+            </p:nvSpPr>
+            <p:spPr>
+              <a:xfrm>
+                <a:off x="6242646" y="4572000"/>
+                <a:ext cx="1120180" cy="327973"/>
+              </a:xfrm>
+              <a:prstGeom prst="rect">
+                <a:avLst/>
+              </a:prstGeom>
+              <a:noFill/>
+              <a:ln w="57150">
+                <a:solidFill>
+                  <a:schemeClr val="tx1"/>
+                </a:solidFill>
+              </a:ln>
+            </p:spPr>
+            <p:style>
+              <a:lnRef idx="2">
+                <a:schemeClr val="accent1">
+                  <a:shade val="50000"/>
+                </a:schemeClr>
+              </a:lnRef>
+              <a:fillRef idx="1">
+                <a:schemeClr val="accent1"/>
+              </a:fillRef>
+              <a:effectRef idx="0">
+                <a:schemeClr val="accent1"/>
+              </a:effectRef>
+              <a:fontRef idx="minor">
+                <a:schemeClr val="lt1"/>
+              </a:fontRef>
+            </p:style>
+            <p:txBody>
+              <a:bodyPr rot="0" spcFirstLastPara="0" vertOverflow="overflow" horzOverflow="overflow" vert="horz" wrap="square" lIns="69130" tIns="34565" rIns="69130" bIns="34565" numCol="1" spcCol="0" rtlCol="0" fromWordArt="0" anchor="ctr" anchorCtr="0" forceAA="0" compatLnSpc="1">
+                <a:prstTxWarp prst="textNoShape">
+                  <a:avLst/>
+                </a:prstTxWarp>
+                <a:noAutofit/>
+              </a:bodyPr>
+              <a:lstStyle/>
+              <a:p>
+                <a:pPr algn="ctr"/>
+                <a:endParaRPr lang="ko-KR" altLang="en-US"/>
+              </a:p>
+            </p:txBody>
+          </p:sp>
+          <p:cxnSp>
+            <p:nvCxnSpPr>
+              <p:cNvPr id="20" name="직선 연결선 19"/>
+              <p:cNvCxnSpPr>
+                <a:stCxn id="18" idx="0"/>
+              </p:cNvCxnSpPr>
+              <p:nvPr/>
+            </p:nvCxnSpPr>
+            <p:spPr>
+              <a:xfrm>
+                <a:off x="6802736" y="3333750"/>
+                <a:ext cx="0" cy="590550"/>
+              </a:xfrm>
+              <a:prstGeom prst="line">
+                <a:avLst/>
+              </a:prstGeom>
+              <a:ln w="38100">
+                <a:solidFill>
+                  <a:schemeClr val="tx1"/>
+                </a:solidFill>
+              </a:ln>
+            </p:spPr>
+            <p:style>
+              <a:lnRef idx="1">
+                <a:schemeClr val="accent1"/>
+              </a:lnRef>
+              <a:fillRef idx="0">
+                <a:schemeClr val="accent1"/>
+              </a:fillRef>
+              <a:effectRef idx="0">
+                <a:schemeClr val="accent1"/>
+              </a:effectRef>
+              <a:fontRef idx="minor">
+                <a:schemeClr val="tx1"/>
+              </a:fontRef>
+            </p:style>
+          </p:cxnSp>
+          <p:cxnSp>
+            <p:nvCxnSpPr>
+              <p:cNvPr id="21" name="직선 연결선 20"/>
+              <p:cNvCxnSpPr/>
+              <p:nvPr/>
+            </p:nvCxnSpPr>
+            <p:spPr>
+              <a:xfrm flipH="1">
+                <a:off x="6242646" y="3924300"/>
+                <a:ext cx="560090" cy="647700"/>
+              </a:xfrm>
+              <a:prstGeom prst="line">
+                <a:avLst/>
+              </a:prstGeom>
+              <a:ln w="38100">
+                <a:solidFill>
+                  <a:schemeClr val="tx1"/>
+                </a:solidFill>
+              </a:ln>
+            </p:spPr>
+            <p:style>
+              <a:lnRef idx="1">
+                <a:schemeClr val="accent1"/>
+              </a:lnRef>
+              <a:fillRef idx="0">
+                <a:schemeClr val="accent1"/>
+              </a:fillRef>
+              <a:effectRef idx="0">
+                <a:schemeClr val="accent1"/>
+              </a:effectRef>
+              <a:fontRef idx="minor">
+                <a:schemeClr val="tx1"/>
+              </a:fontRef>
+            </p:style>
+          </p:cxnSp>
+          <p:sp>
+            <p:nvSpPr>
+              <p:cNvPr id="22" name="타원 21"/>
+              <p:cNvSpPr/>
+              <p:nvPr/>
+            </p:nvSpPr>
+            <p:spPr>
+              <a:xfrm>
+                <a:off x="6285509" y="3533136"/>
+                <a:ext cx="1034455" cy="828675"/>
+              </a:xfrm>
+              <a:prstGeom prst="ellipse">
+                <a:avLst/>
+              </a:prstGeom>
+            </p:spPr>
+            <p:style>
+              <a:lnRef idx="2">
+                <a:schemeClr val="accent1">
+                  <a:shade val="50000"/>
+                </a:schemeClr>
+              </a:lnRef>
+              <a:fillRef idx="1">
+                <a:schemeClr val="accent1"/>
+              </a:fillRef>
+              <a:effectRef idx="0">
+                <a:schemeClr val="accent1"/>
+              </a:effectRef>
+              <a:fontRef idx="minor">
+                <a:schemeClr val="lt1"/>
+              </a:fontRef>
+            </p:style>
+            <p:txBody>
+              <a:bodyPr rtlCol="0" anchor="ctr"/>
+              <a:lstStyle/>
+              <a:p>
+                <a:pPr algn="ctr"/>
+                <a:r>
+                  <a:rPr lang="ko-KR" altLang="en-US" dirty="0"/>
+                  <a:t>모험가 </a:t>
+                </a:r>
+                <a:r>
+                  <a:rPr lang="en-US" altLang="ko-KR" dirty="0" smtClean="0"/>
+                  <a:t>1</a:t>
+                </a:r>
+              </a:p>
+              <a:p>
+                <a:pPr algn="ctr"/>
+                <a:r>
+                  <a:rPr lang="en-US" altLang="ko-KR" dirty="0" smtClean="0"/>
+                  <a:t>Lv.1</a:t>
+                </a:r>
+                <a:endParaRPr lang="ko-KR" altLang="en-US" dirty="0"/>
+              </a:p>
+            </p:txBody>
+          </p:sp>
+        </p:grpSp>
+        <p:sp>
+          <p:nvSpPr>
+            <p:cNvPr id="16" name="직사각형 15"/>
+            <p:cNvSpPr/>
+            <p:nvPr/>
+          </p:nvSpPr>
+          <p:spPr>
+            <a:xfrm>
+              <a:off x="6454140" y="4785241"/>
+              <a:ext cx="908686" cy="266050"/>
+            </a:xfrm>
+            <a:prstGeom prst="rect">
+              <a:avLst/>
+            </a:prstGeom>
+            <a:noFill/>
+            <a:ln w="57150">
+              <a:solidFill>
+                <a:schemeClr val="tx1"/>
+              </a:solidFill>
+            </a:ln>
+          </p:spPr>
+          <p:style>
+            <a:lnRef idx="2">
+              <a:schemeClr val="accent1">
+                <a:shade val="50000"/>
+              </a:schemeClr>
+            </a:lnRef>
+            <a:fillRef idx="1">
+              <a:schemeClr val="accent1"/>
+            </a:fillRef>
+            <a:effectRef idx="0">
+              <a:schemeClr val="accent1"/>
+            </a:effectRef>
+            <a:fontRef idx="minor">
+              <a:schemeClr val="lt1"/>
+            </a:fontRef>
+          </p:style>
+          <p:txBody>
+            <a:bodyPr rot="0" spcFirstLastPara="0" vertOverflow="overflow" horzOverflow="overflow" vert="horz" wrap="square" lIns="69130" tIns="34565" rIns="69130" bIns="34565" numCol="1" spcCol="0" rtlCol="0" fromWordArt="0" anchor="ctr" anchorCtr="0" forceAA="0" compatLnSpc="1">
+              <a:prstTxWarp prst="textNoShape">
+                <a:avLst/>
+              </a:prstTxWarp>
+              <a:noAutofit/>
+            </a:bodyPr>
+            <a:lstStyle/>
+            <a:p>
+              <a:pPr algn="ctr"/>
+              <a:endParaRPr lang="ko-KR" altLang="en-US"/>
+            </a:p>
+          </p:txBody>
+        </p:sp>
+      </p:grpSp>
+      <p:grpSp>
+        <p:nvGrpSpPr>
+          <p:cNvPr id="3" name="그룹 2"/>
+          <p:cNvGrpSpPr/>
+          <p:nvPr/>
+        </p:nvGrpSpPr>
+        <p:grpSpPr>
+          <a:xfrm>
+            <a:off x="3550147" y="1052848"/>
+            <a:ext cx="1669099" cy="2826339"/>
+            <a:chOff x="2307385" y="1195646"/>
+            <a:chExt cx="908686" cy="1538707"/>
+          </a:xfrm>
+        </p:grpSpPr>
+        <p:sp>
+          <p:nvSpPr>
+            <p:cNvPr id="11" name="직사각형 10"/>
+            <p:cNvSpPr/>
+            <p:nvPr/>
+          </p:nvSpPr>
+          <p:spPr>
+            <a:xfrm>
+              <a:off x="2575769" y="2468303"/>
+              <a:ext cx="266050" cy="266050"/>
+            </a:xfrm>
+            <a:prstGeom prst="rect">
+              <a:avLst/>
+            </a:prstGeom>
+          </p:spPr>
+          <p:style>
+            <a:lnRef idx="2">
+              <a:schemeClr val="accent5">
+                <a:shade val="50000"/>
+              </a:schemeClr>
+            </a:lnRef>
+            <a:fillRef idx="1">
+              <a:schemeClr val="accent5"/>
+            </a:fillRef>
+            <a:effectRef idx="0">
+              <a:schemeClr val="accent5"/>
+            </a:effectRef>
+            <a:fontRef idx="minor">
+              <a:schemeClr val="lt1"/>
+            </a:fontRef>
+          </p:style>
+          <p:txBody>
+            <a:bodyPr rtlCol="0" anchor="ctr"/>
+            <a:lstStyle/>
+            <a:p>
+              <a:pPr algn="ctr"/>
+              <a:endParaRPr lang="ko-KR" altLang="en-US"/>
+            </a:p>
+          </p:txBody>
+        </p:sp>
+        <p:sp>
+          <p:nvSpPr>
+            <p:cNvPr id="13" name="직사각형 12"/>
+            <p:cNvSpPr/>
+            <p:nvPr/>
+          </p:nvSpPr>
+          <p:spPr>
+            <a:xfrm>
+              <a:off x="2307385" y="2468303"/>
+              <a:ext cx="266050" cy="266050"/>
+            </a:xfrm>
+            <a:prstGeom prst="rect">
+              <a:avLst/>
+            </a:prstGeom>
+          </p:spPr>
+          <p:style>
+            <a:lnRef idx="2">
+              <a:schemeClr val="accent6">
+                <a:shade val="50000"/>
+              </a:schemeClr>
+            </a:lnRef>
+            <a:fillRef idx="1">
+              <a:schemeClr val="accent6"/>
+            </a:fillRef>
+            <a:effectRef idx="0">
+              <a:schemeClr val="accent6"/>
+            </a:effectRef>
+            <a:fontRef idx="minor">
+              <a:schemeClr val="lt1"/>
+            </a:fontRef>
+          </p:style>
+          <p:txBody>
+            <a:bodyPr rtlCol="0" anchor="ctr"/>
+            <a:lstStyle/>
+            <a:p>
+              <a:pPr algn="ctr"/>
+              <a:endParaRPr lang="ko-KR" altLang="en-US"/>
+            </a:p>
+          </p:txBody>
+        </p:sp>
+        <p:grpSp>
+          <p:nvGrpSpPr>
+            <p:cNvPr id="23" name="그룹 22"/>
+            <p:cNvGrpSpPr/>
+            <p:nvPr/>
+          </p:nvGrpSpPr>
+          <p:grpSpPr>
+            <a:xfrm>
+              <a:off x="2307385" y="1195646"/>
+              <a:ext cx="908686" cy="1538707"/>
+              <a:chOff x="6454140" y="3512584"/>
+              <a:chExt cx="908686" cy="1538707"/>
+            </a:xfrm>
+          </p:grpSpPr>
+          <p:grpSp>
+            <p:nvGrpSpPr>
+              <p:cNvPr id="24" name="그룹 23"/>
+              <p:cNvGrpSpPr/>
+              <p:nvPr/>
+            </p:nvGrpSpPr>
+            <p:grpSpPr>
+              <a:xfrm>
+                <a:off x="6454140" y="3512584"/>
+                <a:ext cx="908686" cy="1270514"/>
+                <a:chOff x="6242646" y="3333750"/>
+                <a:chExt cx="1120180" cy="1566223"/>
+              </a:xfrm>
+            </p:grpSpPr>
+            <p:sp>
+              <p:nvSpPr>
+                <p:cNvPr id="26" name="직사각형 25"/>
+                <p:cNvSpPr/>
+                <p:nvPr/>
+              </p:nvSpPr>
+              <p:spPr>
+                <a:xfrm>
+                  <a:off x="6242646" y="4566598"/>
+                  <a:ext cx="1120180" cy="327973"/>
+                </a:xfrm>
+                <a:prstGeom prst="rect">
+                  <a:avLst/>
+                </a:prstGeom>
+                <a:solidFill>
+                  <a:srgbClr val="FF0000"/>
+                </a:solidFill>
+              </p:spPr>
+              <p:style>
+                <a:lnRef idx="2">
+                  <a:schemeClr val="accent6">
+                    <a:shade val="50000"/>
+                  </a:schemeClr>
+                </a:lnRef>
+                <a:fillRef idx="1">
+                  <a:schemeClr val="accent6"/>
+                </a:fillRef>
+                <a:effectRef idx="0">
+                  <a:schemeClr val="accent6"/>
+                </a:effectRef>
+                <a:fontRef idx="minor">
+                  <a:schemeClr val="lt1"/>
+                </a:fontRef>
+              </p:style>
+              <p:txBody>
+                <a:bodyPr rtlCol="0" anchor="ctr"/>
+                <a:lstStyle/>
+                <a:p>
+                  <a:pPr algn="ctr"/>
+                  <a:endParaRPr lang="ko-KR" altLang="en-US"/>
+                </a:p>
+              </p:txBody>
+            </p:sp>
+            <p:sp>
+              <p:nvSpPr>
+                <p:cNvPr id="27" name="직사각형 26"/>
+                <p:cNvSpPr/>
+                <p:nvPr/>
+              </p:nvSpPr>
+              <p:spPr>
+                <a:xfrm>
+                  <a:off x="6242646" y="3333750"/>
+                  <a:ext cx="1120180" cy="1566223"/>
+                </a:xfrm>
+                <a:prstGeom prst="rect">
+                  <a:avLst/>
+                </a:prstGeom>
+                <a:noFill/>
+                <a:ln w="57150">
+                  <a:solidFill>
+                    <a:schemeClr val="tx1"/>
+                  </a:solidFill>
+                </a:ln>
+              </p:spPr>
+              <p:style>
+                <a:lnRef idx="2">
+                  <a:schemeClr val="accent1">
+                    <a:shade val="50000"/>
+                  </a:schemeClr>
+                </a:lnRef>
+                <a:fillRef idx="1">
+                  <a:schemeClr val="accent1"/>
+                </a:fillRef>
+                <a:effectRef idx="0">
+                  <a:schemeClr val="accent1"/>
+                </a:effectRef>
+                <a:fontRef idx="minor">
+                  <a:schemeClr val="lt1"/>
+                </a:fontRef>
+              </p:style>
+              <p:txBody>
+                <a:bodyPr rot="0" spcFirstLastPara="0" vertOverflow="overflow" horzOverflow="overflow" vert="horz" wrap="square" lIns="69130" tIns="34565" rIns="69130" bIns="34565" numCol="1" spcCol="0" rtlCol="0" fromWordArt="0" anchor="ctr" anchorCtr="0" forceAA="0" compatLnSpc="1">
+                  <a:prstTxWarp prst="textNoShape">
+                    <a:avLst/>
+                  </a:prstTxWarp>
+                  <a:noAutofit/>
+                </a:bodyPr>
+                <a:lstStyle/>
+                <a:p>
+                  <a:pPr algn="ctr"/>
+                  <a:endParaRPr lang="ko-KR" altLang="en-US"/>
+                </a:p>
+              </p:txBody>
+            </p:sp>
+            <p:sp>
+              <p:nvSpPr>
+                <p:cNvPr id="28" name="직사각형 27"/>
+                <p:cNvSpPr/>
+                <p:nvPr/>
+              </p:nvSpPr>
+              <p:spPr>
+                <a:xfrm>
+                  <a:off x="6242646" y="4572000"/>
+                  <a:ext cx="1120180" cy="327973"/>
+                </a:xfrm>
+                <a:prstGeom prst="rect">
+                  <a:avLst/>
+                </a:prstGeom>
+                <a:noFill/>
+                <a:ln w="57150">
+                  <a:solidFill>
+                    <a:schemeClr val="tx1"/>
+                  </a:solidFill>
+                </a:ln>
+              </p:spPr>
+              <p:style>
+                <a:lnRef idx="2">
+                  <a:schemeClr val="accent1">
+                    <a:shade val="50000"/>
+                  </a:schemeClr>
+                </a:lnRef>
+                <a:fillRef idx="1">
+                  <a:schemeClr val="accent1"/>
+                </a:fillRef>
+                <a:effectRef idx="0">
+                  <a:schemeClr val="accent1"/>
+                </a:effectRef>
+                <a:fontRef idx="minor">
+                  <a:schemeClr val="lt1"/>
+                </a:fontRef>
+              </p:style>
+              <p:txBody>
+                <a:bodyPr rot="0" spcFirstLastPara="0" vertOverflow="overflow" horzOverflow="overflow" vert="horz" wrap="square" lIns="69130" tIns="34565" rIns="69130" bIns="34565" numCol="1" spcCol="0" rtlCol="0" fromWordArt="0" anchor="ctr" anchorCtr="0" forceAA="0" compatLnSpc="1">
+                  <a:prstTxWarp prst="textNoShape">
+                    <a:avLst/>
+                  </a:prstTxWarp>
+                  <a:noAutofit/>
+                </a:bodyPr>
+                <a:lstStyle/>
+                <a:p>
+                  <a:pPr algn="ctr"/>
+                  <a:endParaRPr lang="ko-KR" altLang="en-US"/>
+                </a:p>
+              </p:txBody>
+            </p:sp>
+            <p:sp>
+              <p:nvSpPr>
+                <p:cNvPr id="29" name="타원 28"/>
+                <p:cNvSpPr/>
+                <p:nvPr/>
+              </p:nvSpPr>
+              <p:spPr>
+                <a:xfrm>
+                  <a:off x="6285509" y="3533136"/>
+                  <a:ext cx="1034455" cy="828675"/>
+                </a:xfrm>
+                <a:prstGeom prst="ellipse">
+                  <a:avLst/>
+                </a:prstGeom>
+              </p:spPr>
+              <p:style>
+                <a:lnRef idx="2">
+                  <a:schemeClr val="accent1">
+                    <a:shade val="50000"/>
+                  </a:schemeClr>
+                </a:lnRef>
+                <a:fillRef idx="1">
+                  <a:schemeClr val="accent1"/>
+                </a:fillRef>
+                <a:effectRef idx="0">
+                  <a:schemeClr val="accent1"/>
+                </a:effectRef>
+                <a:fontRef idx="minor">
+                  <a:schemeClr val="lt1"/>
+                </a:fontRef>
+              </p:style>
+              <p:txBody>
+                <a:bodyPr rtlCol="0" anchor="ctr"/>
+                <a:lstStyle/>
+                <a:p>
+                  <a:pPr algn="ctr"/>
+                  <a:r>
+                    <a:rPr lang="ko-KR" altLang="en-US" dirty="0"/>
+                    <a:t>모험가 </a:t>
+                  </a:r>
+                  <a:r>
+                    <a:rPr lang="en-US" altLang="ko-KR" dirty="0" smtClean="0"/>
+                    <a:t>2</a:t>
+                  </a:r>
+                </a:p>
+                <a:p>
+                  <a:pPr algn="ctr"/>
+                  <a:r>
+                    <a:rPr lang="en-US" altLang="ko-KR" dirty="0" smtClean="0"/>
+                    <a:t>Lv.1</a:t>
+                  </a:r>
+                  <a:endParaRPr lang="ko-KR" altLang="en-US" dirty="0"/>
+                </a:p>
+              </p:txBody>
+            </p:sp>
+          </p:grpSp>
+          <p:sp>
+            <p:nvSpPr>
+              <p:cNvPr id="25" name="직사각형 24"/>
+              <p:cNvSpPr/>
+              <p:nvPr/>
+            </p:nvSpPr>
+            <p:spPr>
+              <a:xfrm>
+                <a:off x="6454140" y="4785241"/>
+                <a:ext cx="908686" cy="266050"/>
+              </a:xfrm>
+              <a:prstGeom prst="rect">
+                <a:avLst/>
+              </a:prstGeom>
+              <a:noFill/>
+              <a:ln w="57150">
+                <a:solidFill>
+                  <a:schemeClr val="tx1"/>
+                </a:solidFill>
+              </a:ln>
+            </p:spPr>
+            <p:style>
+              <a:lnRef idx="2">
+                <a:schemeClr val="accent1">
+                  <a:shade val="50000"/>
+                </a:schemeClr>
+              </a:lnRef>
+              <a:fillRef idx="1">
+                <a:schemeClr val="accent1"/>
+              </a:fillRef>
+              <a:effectRef idx="0">
+                <a:schemeClr val="accent1"/>
+              </a:effectRef>
+              <a:fontRef idx="minor">
+                <a:schemeClr val="lt1"/>
+              </a:fontRef>
+            </p:style>
+            <p:txBody>
+              <a:bodyPr rot="0" spcFirstLastPara="0" vertOverflow="overflow" horzOverflow="overflow" vert="horz" wrap="square" lIns="69130" tIns="34565" rIns="69130" bIns="34565" numCol="1" spcCol="0" rtlCol="0" fromWordArt="0" anchor="ctr" anchorCtr="0" forceAA="0" compatLnSpc="1">
+                <a:prstTxWarp prst="textNoShape">
+                  <a:avLst/>
+                </a:prstTxWarp>
+                <a:noAutofit/>
+              </a:bodyPr>
+              <a:lstStyle/>
+              <a:p>
+                <a:pPr algn="ctr"/>
+                <a:endParaRPr lang="ko-KR" altLang="en-US"/>
+              </a:p>
+            </p:txBody>
+          </p:sp>
+        </p:grpSp>
+      </p:grpSp>
+      <p:grpSp>
+        <p:nvGrpSpPr>
+          <p:cNvPr id="30" name="그룹 29"/>
+          <p:cNvGrpSpPr/>
+          <p:nvPr/>
+        </p:nvGrpSpPr>
+        <p:grpSpPr>
+          <a:xfrm>
+            <a:off x="5896267" y="1052848"/>
+            <a:ext cx="1669099" cy="2826339"/>
+            <a:chOff x="6454140" y="3512584"/>
+            <a:chExt cx="908686" cy="1538707"/>
+          </a:xfrm>
+        </p:grpSpPr>
+        <p:grpSp>
+          <p:nvGrpSpPr>
+            <p:cNvPr id="31" name="그룹 30"/>
+            <p:cNvGrpSpPr/>
+            <p:nvPr/>
+          </p:nvGrpSpPr>
+          <p:grpSpPr>
+            <a:xfrm>
+              <a:off x="6454140" y="3512584"/>
+              <a:ext cx="908686" cy="1270514"/>
+              <a:chOff x="6242646" y="3333750"/>
+              <a:chExt cx="1120180" cy="1566223"/>
+            </a:xfrm>
+          </p:grpSpPr>
+          <p:sp>
+            <p:nvSpPr>
+              <p:cNvPr id="33" name="직사각형 32"/>
+              <p:cNvSpPr/>
+              <p:nvPr/>
+            </p:nvSpPr>
+            <p:spPr>
+              <a:xfrm>
+                <a:off x="6242646" y="4566598"/>
+                <a:ext cx="1120180" cy="327973"/>
+              </a:xfrm>
+              <a:prstGeom prst="rect">
+                <a:avLst/>
+              </a:prstGeom>
+              <a:solidFill>
+                <a:srgbClr val="FF0000"/>
+              </a:solidFill>
+            </p:spPr>
+            <p:style>
+              <a:lnRef idx="2">
+                <a:schemeClr val="accent6">
+                  <a:shade val="50000"/>
+                </a:schemeClr>
+              </a:lnRef>
+              <a:fillRef idx="1">
+                <a:schemeClr val="accent6"/>
+              </a:fillRef>
+              <a:effectRef idx="0">
+                <a:schemeClr val="accent6"/>
+              </a:effectRef>
+              <a:fontRef idx="minor">
+                <a:schemeClr val="lt1"/>
+              </a:fontRef>
+            </p:style>
+            <p:txBody>
+              <a:bodyPr rtlCol="0" anchor="ctr"/>
+              <a:lstStyle/>
+              <a:p>
+                <a:pPr algn="ctr"/>
+                <a:endParaRPr lang="ko-KR" altLang="en-US"/>
+              </a:p>
+            </p:txBody>
+          </p:sp>
+          <p:sp>
+            <p:nvSpPr>
+              <p:cNvPr id="34" name="직사각형 33"/>
+              <p:cNvSpPr/>
+              <p:nvPr/>
+            </p:nvSpPr>
+            <p:spPr>
+              <a:xfrm>
+                <a:off x="6242646" y="3333750"/>
+                <a:ext cx="1120180" cy="1566223"/>
+              </a:xfrm>
+              <a:prstGeom prst="rect">
+                <a:avLst/>
+              </a:prstGeom>
+              <a:noFill/>
+              <a:ln w="57150">
+                <a:solidFill>
+                  <a:schemeClr val="tx1"/>
+                </a:solidFill>
+              </a:ln>
+            </p:spPr>
+            <p:style>
+              <a:lnRef idx="2">
+                <a:schemeClr val="accent1">
+                  <a:shade val="50000"/>
+                </a:schemeClr>
+              </a:lnRef>
+              <a:fillRef idx="1">
+                <a:schemeClr val="accent1"/>
+              </a:fillRef>
+              <a:effectRef idx="0">
+                <a:schemeClr val="accent1"/>
+              </a:effectRef>
+              <a:fontRef idx="minor">
+                <a:schemeClr val="lt1"/>
+              </a:fontRef>
+            </p:style>
+            <p:txBody>
+              <a:bodyPr rot="0" spcFirstLastPara="0" vertOverflow="overflow" horzOverflow="overflow" vert="horz" wrap="square" lIns="69130" tIns="34565" rIns="69130" bIns="34565" numCol="1" spcCol="0" rtlCol="0" fromWordArt="0" anchor="ctr" anchorCtr="0" forceAA="0" compatLnSpc="1">
+                <a:prstTxWarp prst="textNoShape">
+                  <a:avLst/>
+                </a:prstTxWarp>
+                <a:noAutofit/>
+              </a:bodyPr>
+              <a:lstStyle/>
+              <a:p>
+                <a:pPr algn="ctr"/>
+                <a:endParaRPr lang="ko-KR" altLang="en-US"/>
+              </a:p>
+            </p:txBody>
+          </p:sp>
+          <p:sp>
+            <p:nvSpPr>
+              <p:cNvPr id="38" name="직사각형 37"/>
+              <p:cNvSpPr/>
+              <p:nvPr/>
+            </p:nvSpPr>
+            <p:spPr>
+              <a:xfrm>
+                <a:off x="6242646" y="4572000"/>
+                <a:ext cx="1120180" cy="327973"/>
+              </a:xfrm>
+              <a:prstGeom prst="rect">
+                <a:avLst/>
+              </a:prstGeom>
+              <a:noFill/>
+              <a:ln w="57150">
+                <a:solidFill>
+                  <a:schemeClr val="tx1"/>
+                </a:solidFill>
+              </a:ln>
+            </p:spPr>
+            <p:style>
+              <a:lnRef idx="2">
+                <a:schemeClr val="accent1">
+                  <a:shade val="50000"/>
+                </a:schemeClr>
+              </a:lnRef>
+              <a:fillRef idx="1">
+                <a:schemeClr val="accent1"/>
+              </a:fillRef>
+              <a:effectRef idx="0">
+                <a:schemeClr val="accent1"/>
+              </a:effectRef>
+              <a:fontRef idx="minor">
+                <a:schemeClr val="lt1"/>
+              </a:fontRef>
+            </p:style>
+            <p:txBody>
+              <a:bodyPr rot="0" spcFirstLastPara="0" vertOverflow="overflow" horzOverflow="overflow" vert="horz" wrap="square" lIns="69130" tIns="34565" rIns="69130" bIns="34565" numCol="1" spcCol="0" rtlCol="0" fromWordArt="0" anchor="ctr" anchorCtr="0" forceAA="0" compatLnSpc="1">
+                <a:prstTxWarp prst="textNoShape">
+                  <a:avLst/>
+                </a:prstTxWarp>
+                <a:noAutofit/>
+              </a:bodyPr>
+              <a:lstStyle/>
+              <a:p>
+                <a:pPr algn="ctr"/>
+                <a:endParaRPr lang="ko-KR" altLang="en-US"/>
+              </a:p>
+            </p:txBody>
+          </p:sp>
+          <p:cxnSp>
+            <p:nvCxnSpPr>
+              <p:cNvPr id="39" name="직선 연결선 38"/>
+              <p:cNvCxnSpPr>
+                <a:stCxn id="34" idx="0"/>
+              </p:cNvCxnSpPr>
+              <p:nvPr/>
+            </p:nvCxnSpPr>
+            <p:spPr>
+              <a:xfrm>
+                <a:off x="6802736" y="3333750"/>
+                <a:ext cx="0" cy="590550"/>
+              </a:xfrm>
+              <a:prstGeom prst="line">
+                <a:avLst/>
+              </a:prstGeom>
+              <a:ln w="38100">
+                <a:solidFill>
+                  <a:schemeClr val="tx1"/>
+                </a:solidFill>
+              </a:ln>
+            </p:spPr>
+            <p:style>
+              <a:lnRef idx="1">
+                <a:schemeClr val="accent1"/>
+              </a:lnRef>
+              <a:fillRef idx="0">
+                <a:schemeClr val="accent1"/>
+              </a:fillRef>
+              <a:effectRef idx="0">
+                <a:schemeClr val="accent1"/>
+              </a:effectRef>
+              <a:fontRef idx="minor">
+                <a:schemeClr val="tx1"/>
+              </a:fontRef>
+            </p:style>
+          </p:cxnSp>
+          <p:cxnSp>
+            <p:nvCxnSpPr>
+              <p:cNvPr id="40" name="직선 연결선 39"/>
+              <p:cNvCxnSpPr>
+                <a:endCxn id="34" idx="3"/>
+              </p:cNvCxnSpPr>
+              <p:nvPr/>
+            </p:nvCxnSpPr>
+            <p:spPr>
+              <a:xfrm>
+                <a:off x="6802737" y="3924300"/>
+                <a:ext cx="560089" cy="192561"/>
+              </a:xfrm>
+              <a:prstGeom prst="line">
+                <a:avLst/>
+              </a:prstGeom>
+              <a:ln w="38100">
+                <a:solidFill>
+                  <a:schemeClr val="tx1"/>
+                </a:solidFill>
+              </a:ln>
+            </p:spPr>
+            <p:style>
+              <a:lnRef idx="1">
+                <a:schemeClr val="accent1"/>
+              </a:lnRef>
+              <a:fillRef idx="0">
+                <a:schemeClr val="accent1"/>
+              </a:fillRef>
+              <a:effectRef idx="0">
+                <a:schemeClr val="accent1"/>
+              </a:effectRef>
+              <a:fontRef idx="minor">
+                <a:schemeClr val="tx1"/>
+              </a:fontRef>
+            </p:style>
+          </p:cxnSp>
+          <p:sp>
+            <p:nvSpPr>
+              <p:cNvPr id="41" name="타원 40"/>
+              <p:cNvSpPr/>
+              <p:nvPr/>
+            </p:nvSpPr>
+            <p:spPr>
+              <a:xfrm>
+                <a:off x="6285509" y="3533136"/>
+                <a:ext cx="1034455" cy="828675"/>
+              </a:xfrm>
+              <a:prstGeom prst="ellipse">
+                <a:avLst/>
+              </a:prstGeom>
+            </p:spPr>
+            <p:style>
+              <a:lnRef idx="2">
+                <a:schemeClr val="accent1">
+                  <a:shade val="50000"/>
+                </a:schemeClr>
+              </a:lnRef>
+              <a:fillRef idx="1">
+                <a:schemeClr val="accent1"/>
+              </a:fillRef>
+              <a:effectRef idx="0">
+                <a:schemeClr val="accent1"/>
+              </a:effectRef>
+              <a:fontRef idx="minor">
+                <a:schemeClr val="lt1"/>
+              </a:fontRef>
+            </p:style>
+            <p:txBody>
+              <a:bodyPr rtlCol="0" anchor="ctr"/>
+              <a:lstStyle/>
+              <a:p>
+                <a:pPr algn="ctr"/>
+                <a:r>
+                  <a:rPr lang="ko-KR" altLang="en-US" dirty="0"/>
+                  <a:t>모험가 </a:t>
+                </a:r>
+                <a:r>
+                  <a:rPr lang="en-US" altLang="ko-KR" dirty="0" smtClean="0"/>
+                  <a:t>3</a:t>
+                </a:r>
+              </a:p>
+              <a:p>
+                <a:pPr algn="ctr"/>
+                <a:r>
+                  <a:rPr lang="en-US" altLang="ko-KR" dirty="0" smtClean="0"/>
+                  <a:t>Lv.1</a:t>
+                </a:r>
+                <a:endParaRPr lang="ko-KR" altLang="en-US" dirty="0"/>
+              </a:p>
+            </p:txBody>
+          </p:sp>
+        </p:grpSp>
+        <p:sp>
+          <p:nvSpPr>
+            <p:cNvPr id="32" name="직사각형 31"/>
+            <p:cNvSpPr/>
+            <p:nvPr/>
+          </p:nvSpPr>
+          <p:spPr>
+            <a:xfrm>
+              <a:off x="6454140" y="4785241"/>
+              <a:ext cx="908686" cy="266050"/>
+            </a:xfrm>
+            <a:prstGeom prst="rect">
+              <a:avLst/>
+            </a:prstGeom>
+            <a:noFill/>
+            <a:ln w="57150">
+              <a:solidFill>
+                <a:schemeClr val="tx1"/>
+              </a:solidFill>
+            </a:ln>
+          </p:spPr>
+          <p:style>
+            <a:lnRef idx="2">
+              <a:schemeClr val="accent1">
+                <a:shade val="50000"/>
+              </a:schemeClr>
+            </a:lnRef>
+            <a:fillRef idx="1">
+              <a:schemeClr val="accent1"/>
+            </a:fillRef>
+            <a:effectRef idx="0">
+              <a:schemeClr val="accent1"/>
+            </a:effectRef>
+            <a:fontRef idx="minor">
+              <a:schemeClr val="lt1"/>
+            </a:fontRef>
+          </p:style>
+          <p:txBody>
+            <a:bodyPr rot="0" spcFirstLastPara="0" vertOverflow="overflow" horzOverflow="overflow" vert="horz" wrap="square" lIns="69130" tIns="34565" rIns="69130" bIns="34565" numCol="1" spcCol="0" rtlCol="0" fromWordArt="0" anchor="ctr" anchorCtr="0" forceAA="0" compatLnSpc="1">
+              <a:prstTxWarp prst="textNoShape">
+                <a:avLst/>
+              </a:prstTxWarp>
+              <a:noAutofit/>
+            </a:bodyPr>
+            <a:lstStyle/>
+            <a:p>
+              <a:pPr algn="ctr"/>
+              <a:endParaRPr lang="ko-KR" altLang="en-US"/>
+            </a:p>
+          </p:txBody>
+        </p:sp>
+      </p:grpSp>
+      <p:sp>
+        <p:nvSpPr>
+          <p:cNvPr id="5" name="직사각형 4"/>
+          <p:cNvSpPr/>
+          <p:nvPr/>
+        </p:nvSpPr>
+        <p:spPr>
+          <a:xfrm>
+            <a:off x="981856" y="4188294"/>
+            <a:ext cx="7949013" cy="790646"/>
+          </a:xfrm>
+          <a:prstGeom prst="rect">
+            <a:avLst/>
+          </a:prstGeom>
+        </p:spPr>
+        <p:style>
+          <a:lnRef idx="2">
+            <a:schemeClr val="accent1">
+              <a:shade val="50000"/>
+            </a:schemeClr>
+          </a:lnRef>
+          <a:fillRef idx="1">
+            <a:schemeClr val="accent1"/>
+          </a:fillRef>
+          <a:effectRef idx="0">
+            <a:schemeClr val="accent1"/>
+          </a:effectRef>
+          <a:fontRef idx="minor">
+            <a:schemeClr val="lt1"/>
+          </a:fontRef>
+        </p:style>
+        <p:txBody>
+          <a:bodyPr rtlCol="0" anchor="ctr"/>
+          <a:lstStyle/>
+          <a:p>
+            <a:pPr algn="ctr"/>
+            <a:endParaRPr lang="ko-KR" altLang="en-US"/>
+          </a:p>
+        </p:txBody>
+      </p:sp>
+      <p:sp>
+        <p:nvSpPr>
+          <p:cNvPr id="7" name="직사각형 6"/>
+          <p:cNvSpPr/>
+          <p:nvPr/>
+        </p:nvSpPr>
+        <p:spPr>
+          <a:xfrm>
+            <a:off x="1072858" y="4258347"/>
+            <a:ext cx="666565" cy="666565"/>
+          </a:xfrm>
+          <a:prstGeom prst="rect">
+            <a:avLst/>
+          </a:prstGeom>
+          <a:solidFill>
+            <a:schemeClr val="accent6"/>
+          </a:solidFill>
+          <a:ln w="38100">
+            <a:solidFill>
+              <a:schemeClr val="tx1"/>
+            </a:solidFill>
+          </a:ln>
+        </p:spPr>
+        <p:style>
+          <a:lnRef idx="2">
+            <a:schemeClr val="accent1">
+              <a:shade val="50000"/>
+            </a:schemeClr>
+          </a:lnRef>
+          <a:fillRef idx="1">
+            <a:schemeClr val="accent1"/>
+          </a:fillRef>
+          <a:effectRef idx="0">
+            <a:schemeClr val="accent1"/>
+          </a:effectRef>
+          <a:fontRef idx="minor">
+            <a:schemeClr val="lt1"/>
+          </a:fontRef>
+        </p:style>
+        <p:txBody>
+          <a:bodyPr rtlCol="0" anchor="ctr"/>
+          <a:lstStyle/>
+          <a:p>
+            <a:pPr algn="ctr"/>
+            <a:endParaRPr lang="ko-KR" altLang="en-US"/>
+          </a:p>
+        </p:txBody>
+      </p:sp>
+      <p:sp>
+        <p:nvSpPr>
+          <p:cNvPr id="98" name="직사각형 97"/>
+          <p:cNvSpPr/>
+          <p:nvPr/>
+        </p:nvSpPr>
+        <p:spPr>
+          <a:xfrm>
+            <a:off x="1843540" y="4251430"/>
+            <a:ext cx="666565" cy="666565"/>
+          </a:xfrm>
+          <a:prstGeom prst="rect">
+            <a:avLst/>
+          </a:prstGeom>
+          <a:solidFill>
+            <a:schemeClr val="accent4"/>
+          </a:solidFill>
+          <a:ln w="38100">
+            <a:solidFill>
+              <a:schemeClr val="tx1"/>
+            </a:solidFill>
+          </a:ln>
+        </p:spPr>
+        <p:style>
+          <a:lnRef idx="2">
+            <a:schemeClr val="accent1">
+              <a:shade val="50000"/>
+            </a:schemeClr>
+          </a:lnRef>
+          <a:fillRef idx="1">
+            <a:schemeClr val="accent1"/>
+          </a:fillRef>
+          <a:effectRef idx="0">
+            <a:schemeClr val="accent1"/>
+          </a:effectRef>
+          <a:fontRef idx="minor">
+            <a:schemeClr val="lt1"/>
+          </a:fontRef>
+        </p:style>
+        <p:txBody>
+          <a:bodyPr rtlCol="0" anchor="ctr"/>
+          <a:lstStyle/>
+          <a:p>
+            <a:pPr algn="ctr"/>
+            <a:endParaRPr lang="ko-KR" altLang="en-US"/>
+          </a:p>
+        </p:txBody>
+      </p:sp>
+      <p:sp>
+        <p:nvSpPr>
+          <p:cNvPr id="99" name="직사각형 98"/>
+          <p:cNvSpPr/>
+          <p:nvPr/>
+        </p:nvSpPr>
+        <p:spPr>
+          <a:xfrm>
+            <a:off x="2638065" y="4251430"/>
+            <a:ext cx="666565" cy="666565"/>
+          </a:xfrm>
+          <a:prstGeom prst="rect">
+            <a:avLst/>
+          </a:prstGeom>
+          <a:solidFill>
+            <a:schemeClr val="tx2"/>
+          </a:solidFill>
+          <a:ln w="38100">
+            <a:solidFill>
+              <a:schemeClr val="tx1"/>
+            </a:solidFill>
+          </a:ln>
+        </p:spPr>
+        <p:style>
+          <a:lnRef idx="2">
+            <a:schemeClr val="accent1">
+              <a:shade val="50000"/>
+            </a:schemeClr>
+          </a:lnRef>
+          <a:fillRef idx="1">
+            <a:schemeClr val="accent1"/>
+          </a:fillRef>
+          <a:effectRef idx="0">
+            <a:schemeClr val="accent1"/>
+          </a:effectRef>
+          <a:fontRef idx="minor">
+            <a:schemeClr val="lt1"/>
+          </a:fontRef>
+        </p:style>
+        <p:txBody>
+          <a:bodyPr rtlCol="0" anchor="ctr"/>
+          <a:lstStyle/>
+          <a:p>
+            <a:pPr algn="ctr"/>
+            <a:endParaRPr lang="ko-KR" altLang="en-US"/>
+          </a:p>
+        </p:txBody>
+      </p:sp>
+      <p:sp>
+        <p:nvSpPr>
+          <p:cNvPr id="100" name="직사각형 99"/>
+          <p:cNvSpPr/>
+          <p:nvPr/>
+        </p:nvSpPr>
+        <p:spPr>
+          <a:xfrm>
+            <a:off x="3432590" y="4251430"/>
+            <a:ext cx="666565" cy="666565"/>
+          </a:xfrm>
+          <a:prstGeom prst="rect">
+            <a:avLst/>
+          </a:prstGeom>
+          <a:solidFill>
+            <a:schemeClr val="bg1"/>
+          </a:solidFill>
+          <a:ln w="38100">
+            <a:solidFill>
+              <a:schemeClr val="tx1"/>
+            </a:solidFill>
+          </a:ln>
+        </p:spPr>
+        <p:style>
+          <a:lnRef idx="2">
+            <a:schemeClr val="accent1">
+              <a:shade val="50000"/>
+            </a:schemeClr>
+          </a:lnRef>
+          <a:fillRef idx="1">
+            <a:schemeClr val="accent1"/>
+          </a:fillRef>
+          <a:effectRef idx="0">
+            <a:schemeClr val="accent1"/>
+          </a:effectRef>
+          <a:fontRef idx="minor">
+            <a:schemeClr val="lt1"/>
+          </a:fontRef>
+        </p:style>
+        <p:txBody>
+          <a:bodyPr rtlCol="0" anchor="ctr"/>
+          <a:lstStyle/>
+          <a:p>
+            <a:pPr algn="ctr"/>
+            <a:endParaRPr lang="ko-KR" altLang="en-US"/>
+          </a:p>
+        </p:txBody>
+      </p:sp>
+      <p:sp>
+        <p:nvSpPr>
+          <p:cNvPr id="101" name="직사각형 100"/>
+          <p:cNvSpPr/>
+          <p:nvPr/>
+        </p:nvSpPr>
+        <p:spPr>
+          <a:xfrm>
+            <a:off x="4203272" y="4258346"/>
+            <a:ext cx="666565" cy="666565"/>
+          </a:xfrm>
+          <a:prstGeom prst="rect">
+            <a:avLst/>
+          </a:prstGeom>
+          <a:solidFill>
+            <a:schemeClr val="bg1"/>
+          </a:solidFill>
+          <a:ln w="38100">
+            <a:solidFill>
+              <a:schemeClr val="tx1"/>
+            </a:solidFill>
+          </a:ln>
+        </p:spPr>
+        <p:style>
+          <a:lnRef idx="2">
+            <a:schemeClr val="accent1">
+              <a:shade val="50000"/>
+            </a:schemeClr>
+          </a:lnRef>
+          <a:fillRef idx="1">
+            <a:schemeClr val="accent1"/>
+          </a:fillRef>
+          <a:effectRef idx="0">
+            <a:schemeClr val="accent1"/>
+          </a:effectRef>
+          <a:fontRef idx="minor">
+            <a:schemeClr val="lt1"/>
+          </a:fontRef>
+        </p:style>
+        <p:txBody>
+          <a:bodyPr rtlCol="0" anchor="ctr"/>
+          <a:lstStyle/>
+          <a:p>
+            <a:pPr algn="ctr"/>
+            <a:endParaRPr lang="ko-KR" altLang="en-US"/>
+          </a:p>
+        </p:txBody>
+      </p:sp>
+      <p:sp>
+        <p:nvSpPr>
+          <p:cNvPr id="102" name="직사각형 101"/>
+          <p:cNvSpPr/>
+          <p:nvPr/>
+        </p:nvSpPr>
+        <p:spPr>
+          <a:xfrm>
+            <a:off x="4997797" y="4244513"/>
+            <a:ext cx="666565" cy="666565"/>
+          </a:xfrm>
+          <a:prstGeom prst="rect">
+            <a:avLst/>
+          </a:prstGeom>
+          <a:solidFill>
+            <a:schemeClr val="bg1"/>
+          </a:solidFill>
+          <a:ln w="38100">
+            <a:solidFill>
+              <a:schemeClr val="tx1"/>
+            </a:solidFill>
+          </a:ln>
+        </p:spPr>
+        <p:style>
+          <a:lnRef idx="2">
+            <a:schemeClr val="accent1">
+              <a:shade val="50000"/>
+            </a:schemeClr>
+          </a:lnRef>
+          <a:fillRef idx="1">
+            <a:schemeClr val="accent1"/>
+          </a:fillRef>
+          <a:effectRef idx="0">
+            <a:schemeClr val="accent1"/>
+          </a:effectRef>
+          <a:fontRef idx="minor">
+            <a:schemeClr val="lt1"/>
+          </a:fontRef>
+        </p:style>
+        <p:txBody>
+          <a:bodyPr rtlCol="0" anchor="ctr"/>
+          <a:lstStyle/>
+          <a:p>
+            <a:pPr algn="ctr"/>
+            <a:endParaRPr lang="ko-KR" altLang="en-US"/>
+          </a:p>
+        </p:txBody>
+      </p:sp>
+      <p:sp>
+        <p:nvSpPr>
+          <p:cNvPr id="103" name="직사각형 102"/>
+          <p:cNvSpPr/>
+          <p:nvPr/>
+        </p:nvSpPr>
+        <p:spPr>
+          <a:xfrm>
+            <a:off x="5792322" y="4232481"/>
+            <a:ext cx="666565" cy="666565"/>
+          </a:xfrm>
+          <a:prstGeom prst="rect">
+            <a:avLst/>
+          </a:prstGeom>
+          <a:solidFill>
+            <a:schemeClr val="bg1"/>
+          </a:solidFill>
+          <a:ln w="38100">
+            <a:solidFill>
+              <a:schemeClr val="tx1"/>
+            </a:solidFill>
+          </a:ln>
+        </p:spPr>
+        <p:style>
+          <a:lnRef idx="2">
+            <a:schemeClr val="accent1">
+              <a:shade val="50000"/>
+            </a:schemeClr>
+          </a:lnRef>
+          <a:fillRef idx="1">
+            <a:schemeClr val="accent1"/>
+          </a:fillRef>
+          <a:effectRef idx="0">
+            <a:schemeClr val="accent1"/>
+          </a:effectRef>
+          <a:fontRef idx="minor">
+            <a:schemeClr val="lt1"/>
+          </a:fontRef>
+        </p:style>
+        <p:txBody>
+          <a:bodyPr rtlCol="0" anchor="ctr"/>
+          <a:lstStyle/>
+          <a:p>
+            <a:pPr algn="ctr"/>
+            <a:endParaRPr lang="ko-KR" altLang="en-US"/>
+          </a:p>
+        </p:txBody>
+      </p:sp>
+      <p:sp>
+        <p:nvSpPr>
+          <p:cNvPr id="104" name="직사각형 103"/>
+          <p:cNvSpPr/>
+          <p:nvPr/>
+        </p:nvSpPr>
+        <p:spPr>
+          <a:xfrm>
+            <a:off x="6563004" y="4225564"/>
+            <a:ext cx="666565" cy="666565"/>
+          </a:xfrm>
+          <a:prstGeom prst="rect">
+            <a:avLst/>
+          </a:prstGeom>
+          <a:solidFill>
+            <a:schemeClr val="bg1"/>
+          </a:solidFill>
+          <a:ln w="38100">
+            <a:solidFill>
+              <a:schemeClr val="tx1"/>
+            </a:solidFill>
+          </a:ln>
+        </p:spPr>
+        <p:style>
+          <a:lnRef idx="2">
+            <a:schemeClr val="accent1">
+              <a:shade val="50000"/>
+            </a:schemeClr>
+          </a:lnRef>
+          <a:fillRef idx="1">
+            <a:schemeClr val="accent1"/>
+          </a:fillRef>
+          <a:effectRef idx="0">
+            <a:schemeClr val="accent1"/>
+          </a:effectRef>
+          <a:fontRef idx="minor">
+            <a:schemeClr val="lt1"/>
+          </a:fontRef>
+        </p:style>
+        <p:txBody>
+          <a:bodyPr rtlCol="0" anchor="ctr"/>
+          <a:lstStyle/>
+          <a:p>
+            <a:pPr algn="ctr"/>
+            <a:endParaRPr lang="ko-KR" altLang="en-US"/>
+          </a:p>
+        </p:txBody>
+      </p:sp>
+      <p:sp>
+        <p:nvSpPr>
+          <p:cNvPr id="105" name="직사각형 104"/>
+          <p:cNvSpPr/>
+          <p:nvPr/>
+        </p:nvSpPr>
+        <p:spPr>
+          <a:xfrm>
+            <a:off x="7357529" y="4225564"/>
+            <a:ext cx="666565" cy="666565"/>
+          </a:xfrm>
+          <a:prstGeom prst="rect">
+            <a:avLst/>
+          </a:prstGeom>
+          <a:solidFill>
+            <a:schemeClr val="bg1"/>
+          </a:solidFill>
+          <a:ln w="38100">
+            <a:solidFill>
+              <a:schemeClr val="tx1"/>
+            </a:solidFill>
+          </a:ln>
+        </p:spPr>
+        <p:style>
+          <a:lnRef idx="2">
+            <a:schemeClr val="accent1">
+              <a:shade val="50000"/>
+            </a:schemeClr>
+          </a:lnRef>
+          <a:fillRef idx="1">
+            <a:schemeClr val="accent1"/>
+          </a:fillRef>
+          <a:effectRef idx="0">
+            <a:schemeClr val="accent1"/>
+          </a:effectRef>
+          <a:fontRef idx="minor">
+            <a:schemeClr val="lt1"/>
+          </a:fontRef>
+        </p:style>
+        <p:txBody>
+          <a:bodyPr rtlCol="0" anchor="ctr"/>
+          <a:lstStyle/>
+          <a:p>
+            <a:pPr algn="ctr"/>
+            <a:endParaRPr lang="ko-KR" altLang="en-US"/>
+          </a:p>
+        </p:txBody>
+      </p:sp>
+      <p:sp>
+        <p:nvSpPr>
+          <p:cNvPr id="106" name="직사각형 105"/>
+          <p:cNvSpPr/>
+          <p:nvPr/>
+        </p:nvSpPr>
+        <p:spPr>
+          <a:xfrm>
+            <a:off x="8152054" y="4232481"/>
+            <a:ext cx="666565" cy="666565"/>
+          </a:xfrm>
+          <a:prstGeom prst="rect">
+            <a:avLst/>
+          </a:prstGeom>
+          <a:solidFill>
+            <a:schemeClr val="bg1"/>
+          </a:solidFill>
+          <a:ln w="38100">
+            <a:solidFill>
+              <a:schemeClr val="tx1"/>
+            </a:solidFill>
+          </a:ln>
+        </p:spPr>
+        <p:style>
+          <a:lnRef idx="2">
+            <a:schemeClr val="accent1">
+              <a:shade val="50000"/>
+            </a:schemeClr>
+          </a:lnRef>
+          <a:fillRef idx="1">
+            <a:schemeClr val="accent1"/>
+          </a:fillRef>
+          <a:effectRef idx="0">
+            <a:schemeClr val="accent1"/>
+          </a:effectRef>
+          <a:fontRef idx="minor">
+            <a:schemeClr val="lt1"/>
+          </a:fontRef>
+        </p:style>
+        <p:txBody>
+          <a:bodyPr rtlCol="0" anchor="ctr"/>
+          <a:lstStyle/>
+          <a:p>
+            <a:pPr algn="ctr"/>
+            <a:endParaRPr lang="ko-KR" altLang="en-US"/>
+          </a:p>
+        </p:txBody>
+      </p:sp>
+      <p:sp>
+        <p:nvSpPr>
+          <p:cNvPr id="111" name="직사각형 110"/>
+          <p:cNvSpPr/>
+          <p:nvPr/>
+        </p:nvSpPr>
+        <p:spPr>
+          <a:xfrm>
+            <a:off x="8258601" y="2707005"/>
+            <a:ext cx="1813550" cy="1172182"/>
+          </a:xfrm>
+          <a:prstGeom prst="rect">
+            <a:avLst/>
+          </a:prstGeom>
+          <a:solidFill>
+            <a:schemeClr val="bg2"/>
+          </a:solidFill>
+          <a:ln>
+            <a:solidFill>
+              <a:schemeClr val="tx1"/>
+            </a:solidFill>
+          </a:ln>
+        </p:spPr>
+        <p:style>
+          <a:lnRef idx="2">
+            <a:schemeClr val="accent1">
+              <a:shade val="50000"/>
+            </a:schemeClr>
+          </a:lnRef>
+          <a:fillRef idx="1">
+            <a:schemeClr val="accent1"/>
+          </a:fillRef>
+          <a:effectRef idx="0">
+            <a:schemeClr val="accent1"/>
+          </a:effectRef>
+          <a:fontRef idx="minor">
+            <a:schemeClr val="lt1"/>
+          </a:fontRef>
+        </p:style>
+        <p:txBody>
+          <a:bodyPr rtlCol="0" anchor="ctr"/>
+          <a:lstStyle/>
+          <a:p>
+            <a:pPr algn="ctr"/>
+            <a:r>
+              <a:rPr lang="ko-KR" altLang="en-US" dirty="0" smtClean="0">
+                <a:solidFill>
+                  <a:schemeClr val="tx1"/>
+                </a:solidFill>
+              </a:rPr>
+              <a:t>해고</a:t>
+            </a:r>
+            <a:endParaRPr lang="ko-KR" altLang="en-US" dirty="0">
+              <a:solidFill>
+                <a:schemeClr val="tx1"/>
+              </a:solidFill>
+            </a:endParaRPr>
+          </a:p>
+        </p:txBody>
+      </p:sp>
+      <p:sp>
+        <p:nvSpPr>
+          <p:cNvPr id="112" name="직사각형 111"/>
+          <p:cNvSpPr/>
+          <p:nvPr/>
+        </p:nvSpPr>
+        <p:spPr>
+          <a:xfrm>
+            <a:off x="8258601" y="1225716"/>
+            <a:ext cx="1813550" cy="1172182"/>
+          </a:xfrm>
+          <a:prstGeom prst="rect">
+            <a:avLst/>
+          </a:prstGeom>
+          <a:solidFill>
+            <a:schemeClr val="bg2"/>
+          </a:solidFill>
+          <a:ln>
+            <a:solidFill>
+              <a:schemeClr val="tx1"/>
+            </a:solidFill>
+          </a:ln>
+        </p:spPr>
+        <p:style>
+          <a:lnRef idx="2">
+            <a:schemeClr val="accent1">
+              <a:shade val="50000"/>
+            </a:schemeClr>
+          </a:lnRef>
+          <a:fillRef idx="1">
+            <a:schemeClr val="accent1"/>
+          </a:fillRef>
+          <a:effectRef idx="0">
+            <a:schemeClr val="accent1"/>
+          </a:effectRef>
+          <a:fontRef idx="minor">
+            <a:schemeClr val="lt1"/>
+          </a:fontRef>
+        </p:style>
+        <p:txBody>
+          <a:bodyPr rtlCol="0" anchor="ctr"/>
+          <a:lstStyle/>
+          <a:p>
+            <a:pPr algn="ctr"/>
+            <a:r>
+              <a:rPr lang="ko-KR" altLang="en-US" smtClean="0">
+                <a:solidFill>
+                  <a:schemeClr val="tx1"/>
+                </a:solidFill>
+              </a:rPr>
+              <a:t>강화</a:t>
+            </a:r>
+            <a:endParaRPr lang="ko-KR" altLang="en-US" dirty="0">
+              <a:solidFill>
+                <a:schemeClr val="tx1"/>
+              </a:solidFill>
+            </a:endParaRPr>
+          </a:p>
+        </p:txBody>
+      </p:sp>
+    </p:spTree>
+    <p:extLst>
+      <p:ext uri="{BB962C8B-B14F-4D97-AF65-F5344CB8AC3E}">
+        <p14:creationId xmlns:p14="http://schemas.microsoft.com/office/powerpoint/2010/main" val="3774070495"/>
       </p:ext>
     </p:extLst>
   </p:cSld>

--- a/기획/기획서-ppt.pptx
+++ b/기획/기획서-ppt.pptx
@@ -3495,7 +3495,7 @@
         </p:nvSpPr>
         <p:spPr>
           <a:xfrm>
-            <a:off x="7842163" y="4785241"/>
+            <a:off x="5706325" y="4765190"/>
             <a:ext cx="266050" cy="266050"/>
           </a:xfrm>
           <a:prstGeom prst="rect">
@@ -3535,7 +3535,7 @@
         </p:nvSpPr>
         <p:spPr>
           <a:xfrm>
-            <a:off x="7573779" y="4785241"/>
+            <a:off x="5437941" y="4765190"/>
             <a:ext cx="266050" cy="266050"/>
           </a:xfrm>
           <a:prstGeom prst="rect">
@@ -3794,7 +3794,7 @@
         </p:nvGrpSpPr>
         <p:grpSpPr>
           <a:xfrm>
-            <a:off x="6454140" y="3512584"/>
+            <a:off x="4318302" y="3492533"/>
             <a:ext cx="908686" cy="1538707"/>
             <a:chOff x="6454140" y="3512584"/>
             <a:chExt cx="908686" cy="1538707"/>
@@ -4140,7 +4140,7 @@
         </p:nvGrpSpPr>
         <p:grpSpPr>
           <a:xfrm>
-            <a:off x="7573779" y="3512584"/>
+            <a:off x="5437941" y="3492533"/>
             <a:ext cx="908686" cy="1538707"/>
             <a:chOff x="6454140" y="3512584"/>
             <a:chExt cx="908686" cy="1538707"/>
@@ -4414,7 +4414,7 @@
         </p:nvGrpSpPr>
         <p:grpSpPr>
           <a:xfrm>
-            <a:off x="8693418" y="3484988"/>
+            <a:off x="6557580" y="3492533"/>
             <a:ext cx="908686" cy="1538707"/>
             <a:chOff x="6454140" y="3512584"/>
             <a:chExt cx="908686" cy="1538707"/>
@@ -4784,6 +4784,50 @@
           </a:p>
         </p:txBody>
       </p:sp>
+      <p:sp>
+        <p:nvSpPr>
+          <p:cNvPr id="2" name="타원 1"/>
+          <p:cNvSpPr/>
+          <p:nvPr/>
+        </p:nvSpPr>
+        <p:spPr>
+          <a:xfrm>
+            <a:off x="8078346" y="2711941"/>
+            <a:ext cx="1780673" cy="1780673"/>
+          </a:xfrm>
+          <a:prstGeom prst="ellipse">
+            <a:avLst/>
+          </a:prstGeom>
+        </p:spPr>
+        <p:style>
+          <a:lnRef idx="2">
+            <a:schemeClr val="accent1">
+              <a:shade val="50000"/>
+            </a:schemeClr>
+          </a:lnRef>
+          <a:fillRef idx="1">
+            <a:schemeClr val="accent1"/>
+          </a:fillRef>
+          <a:effectRef idx="0">
+            <a:schemeClr val="accent1"/>
+          </a:effectRef>
+          <a:fontRef idx="minor">
+            <a:schemeClr val="lt1"/>
+          </a:fontRef>
+        </p:style>
+        <p:txBody>
+          <a:bodyPr rtlCol="0" anchor="ctr"/>
+          <a:lstStyle/>
+          <a:p>
+            <a:pPr algn="ctr"/>
+            <a:r>
+              <a:rPr lang="ko-KR" altLang="en-US" dirty="0" smtClean="0"/>
+              <a:t>공격</a:t>
+            </a:r>
+            <a:endParaRPr lang="ko-KR" altLang="en-US" dirty="0"/>
+          </a:p>
+        </p:txBody>
+      </p:sp>
     </p:spTree>
     <p:extLst>
       <p:ext uri="{BB962C8B-B14F-4D97-AF65-F5344CB8AC3E}">
@@ -5061,7 +5105,7 @@
         </p:nvSpPr>
         <p:spPr>
           <a:xfrm>
-            <a:off x="7388492" y="2660267"/>
+            <a:off x="6694098" y="3004027"/>
             <a:ext cx="845820" cy="845820"/>
           </a:xfrm>
           <a:prstGeom prst="ellipse">
@@ -5109,8 +5153,8 @@
         </p:nvSpPr>
         <p:spPr>
           <a:xfrm>
-            <a:off x="419386" y="899455"/>
-            <a:ext cx="2200061" cy="3452539"/>
+            <a:off x="419386" y="899456"/>
+            <a:ext cx="2200061" cy="1630614"/>
           </a:xfrm>
           <a:prstGeom prst="rect">
             <a:avLst/>
@@ -5153,7 +5197,7 @@
         </p:nvSpPr>
         <p:spPr>
           <a:xfrm>
-            <a:off x="1801300" y="2017523"/>
+            <a:off x="1821925" y="1181936"/>
             <a:ext cx="721895" cy="1065654"/>
           </a:xfrm>
           <a:prstGeom prst="verticalScroll">
@@ -5221,8 +5265,8 @@
           </a:xfrm>
           <a:prstGeom prst="wedgeRoundRectCallout">
             <a:avLst>
-              <a:gd name="adj1" fmla="val 41479"/>
-              <a:gd name="adj2" fmla="val 63085"/>
+              <a:gd name="adj1" fmla="val 27409"/>
+              <a:gd name="adj2" fmla="val 79042"/>
               <a:gd name="adj3" fmla="val 16667"/>
             </a:avLst>
           </a:prstGeom>
@@ -5405,6 +5449,190 @@
                 <a:sysClr val="windowText" lastClr="000000"/>
               </a:solidFill>
             </a:endParaRPr>
+          </a:p>
+        </p:txBody>
+      </p:sp>
+      <p:pic>
+        <p:nvPicPr>
+          <p:cNvPr id="11" name="그림 10"/>
+          <p:cNvPicPr>
+            <a:picLocks noChangeAspect="1"/>
+          </p:cNvPicPr>
+          <p:nvPr/>
+        </p:nvPicPr>
+        <p:blipFill>
+          <a:blip r:embed="rId3" cstate="print">
+            <a:extLst>
+              <a:ext uri="{28A0092B-C50C-407E-A947-70E740481C1C}">
+                <a14:useLocalDpi xmlns:a14="http://schemas.microsoft.com/office/drawing/2010/main" val="0"/>
+              </a:ext>
+            </a:extLst>
+          </a:blip>
+          <a:stretch>
+            <a:fillRect/>
+          </a:stretch>
+        </p:blipFill>
+        <p:spPr>
+          <a:xfrm>
+            <a:off x="809960" y="3083410"/>
+            <a:ext cx="1681780" cy="1681780"/>
+          </a:xfrm>
+          <a:prstGeom prst="rect">
+            <a:avLst/>
+          </a:prstGeom>
+        </p:spPr>
+      </p:pic>
+      <p:sp>
+        <p:nvSpPr>
+          <p:cNvPr id="13" name="타원 12"/>
+          <p:cNvSpPr/>
+          <p:nvPr/>
+        </p:nvSpPr>
+        <p:spPr>
+          <a:xfrm>
+            <a:off x="8078346" y="2711941"/>
+            <a:ext cx="1780673" cy="1780673"/>
+          </a:xfrm>
+          <a:prstGeom prst="ellipse">
+            <a:avLst/>
+          </a:prstGeom>
+        </p:spPr>
+        <p:style>
+          <a:lnRef idx="2">
+            <a:schemeClr val="accent1">
+              <a:shade val="50000"/>
+            </a:schemeClr>
+          </a:lnRef>
+          <a:fillRef idx="1">
+            <a:schemeClr val="accent1"/>
+          </a:fillRef>
+          <a:effectRef idx="0">
+            <a:schemeClr val="accent1"/>
+          </a:effectRef>
+          <a:fontRef idx="minor">
+            <a:schemeClr val="lt1"/>
+          </a:fontRef>
+        </p:style>
+        <p:txBody>
+          <a:bodyPr rtlCol="0" anchor="ctr"/>
+          <a:lstStyle/>
+          <a:p>
+            <a:pPr algn="ctr"/>
+            <a:r>
+              <a:rPr lang="ko-KR" altLang="en-US" dirty="0" smtClean="0"/>
+              <a:t>대화</a:t>
+            </a:r>
+            <a:endParaRPr lang="ko-KR" altLang="en-US" dirty="0"/>
+          </a:p>
+        </p:txBody>
+      </p:sp>
+      <p:sp>
+        <p:nvSpPr>
+          <p:cNvPr id="14" name="타원 13"/>
+          <p:cNvSpPr/>
+          <p:nvPr/>
+        </p:nvSpPr>
+        <p:spPr>
+          <a:xfrm>
+            <a:off x="6276287" y="899455"/>
+            <a:ext cx="845820" cy="845820"/>
+          </a:xfrm>
+          <a:prstGeom prst="ellipse">
+            <a:avLst/>
+          </a:prstGeom>
+        </p:spPr>
+        <p:style>
+          <a:lnRef idx="2">
+            <a:schemeClr val="accent1">
+              <a:shade val="50000"/>
+            </a:schemeClr>
+          </a:lnRef>
+          <a:fillRef idx="1">
+            <a:schemeClr val="accent1"/>
+          </a:fillRef>
+          <a:effectRef idx="0">
+            <a:schemeClr val="accent1"/>
+          </a:effectRef>
+          <a:fontRef idx="minor">
+            <a:schemeClr val="lt1"/>
+          </a:fontRef>
+        </p:style>
+        <p:txBody>
+          <a:bodyPr rtlCol="0" anchor="ctr"/>
+          <a:lstStyle/>
+          <a:p>
+            <a:pPr algn="ctr"/>
+            <a:r>
+              <a:rPr lang="ko-KR" altLang="en-US" sz="1050" dirty="0" smtClean="0"/>
+              <a:t>보물 </a:t>
+            </a:r>
+            <a:r>
+              <a:rPr lang="ko-KR" altLang="en-US" sz="1050" dirty="0" err="1" smtClean="0"/>
+              <a:t>컬렉터</a:t>
+            </a:r>
+            <a:endParaRPr lang="en-US" altLang="ko-KR" sz="1050" dirty="0" smtClean="0"/>
+          </a:p>
+          <a:p>
+            <a:pPr algn="ctr"/>
+            <a:r>
+              <a:rPr lang="en-US" altLang="ko-KR" sz="700" dirty="0" smtClean="0"/>
+              <a:t>(</a:t>
+            </a:r>
+            <a:r>
+              <a:rPr lang="ko-KR" altLang="en-US" sz="700" dirty="0" smtClean="0"/>
+              <a:t>플레이어</a:t>
+            </a:r>
+            <a:r>
+              <a:rPr lang="en-US" altLang="ko-KR" sz="700" dirty="0" smtClean="0"/>
+              <a:t>)</a:t>
+            </a:r>
+            <a:endParaRPr lang="en-US" altLang="ko-KR" sz="700" dirty="0" smtClean="0"/>
+          </a:p>
+        </p:txBody>
+      </p:sp>
+      <p:sp>
+        <p:nvSpPr>
+          <p:cNvPr id="3" name="타원 2"/>
+          <p:cNvSpPr/>
+          <p:nvPr/>
+        </p:nvSpPr>
+        <p:spPr>
+          <a:xfrm>
+            <a:off x="6608159" y="2917958"/>
+            <a:ext cx="1017958" cy="1017958"/>
+          </a:xfrm>
+          <a:prstGeom prst="ellipse">
+            <a:avLst/>
+          </a:prstGeom>
+          <a:noFill/>
+          <a:ln w="38100">
+            <a:solidFill>
+              <a:srgbClr val="FFFF00"/>
+            </a:solidFill>
+          </a:ln>
+        </p:spPr>
+        <p:style>
+          <a:lnRef idx="2">
+            <a:schemeClr val="accent1">
+              <a:shade val="50000"/>
+            </a:schemeClr>
+          </a:lnRef>
+          <a:fillRef idx="1">
+            <a:schemeClr val="accent1"/>
+          </a:fillRef>
+          <a:effectRef idx="0">
+            <a:schemeClr val="accent1"/>
+          </a:effectRef>
+          <a:fontRef idx="minor">
+            <a:schemeClr val="lt1"/>
+          </a:fontRef>
+        </p:style>
+        <p:txBody>
+          <a:bodyPr rtlCol="0" anchor="ctr"/>
+          <a:lstStyle/>
+          <a:p>
+            <a:pPr algn="ctr"/>
+            <a:endParaRPr lang="ko-KR" altLang="en-US"/>
           </a:p>
         </p:txBody>
       </p:sp>
@@ -5499,11 +5727,7 @@
           <a:p>
             <a:r>
               <a:rPr lang="ko-KR" altLang="en-US" dirty="0" smtClean="0"/>
-              <a:t>모험가 </a:t>
-            </a:r>
-            <a:r>
-              <a:rPr lang="ko-KR" altLang="en-US" dirty="0" smtClean="0"/>
-              <a:t>파티</a:t>
+              <a:t>모험가 파티</a:t>
             </a:r>
             <a:endParaRPr lang="ko-KR" altLang="en-US" dirty="0"/>
           </a:p>
